--- a/assets/images/research_chart.pptx
+++ b/assets/images/research_chart.pptx
@@ -2,19 +2,19 @@
 <file path=ppt/presentation.xml><?xml version="1.0" encoding="utf-8"?>
 <p:presentation xmlns:a="http://schemas.openxmlformats.org/drawingml/2006/main" xmlns:r="http://schemas.openxmlformats.org/officeDocument/2006/relationships" xmlns:p="http://schemas.openxmlformats.org/presentationml/2006/main" saveSubsetFonts="1" autoCompressPictures="0">
   <p:sldMasterIdLst>
-    <p:sldMasterId id="2147483648" r:id="rId1"/>
+    <p:sldMasterId id="2147483660" r:id="rId1"/>
   </p:sldMasterIdLst>
   <p:sldIdLst>
     <p:sldId id="298" r:id="rId2"/>
   </p:sldIdLst>
-  <p:sldSz cx="12192000" cy="6858000"/>
+  <p:sldSz cx="12557125" cy="7315200"/>
   <p:notesSz cx="6858000" cy="9144000"/>
   <p:defaultTextStyle>
     <a:defPPr>
       <a:defRPr lang="en-US"/>
     </a:defPPr>
-    <a:lvl1pPr marL="0" algn="l" defTabSz="914400" rtl="0" eaLnBrk="1" latinLnBrk="0" hangingPunct="1">
-      <a:defRPr sz="1800" kern="1200">
+    <a:lvl1pPr marL="0" algn="l" defTabSz="953811" rtl="0" eaLnBrk="1" latinLnBrk="0" hangingPunct="1">
+      <a:defRPr sz="1878" kern="1200">
         <a:solidFill>
           <a:schemeClr val="tx1"/>
         </a:solidFill>
@@ -23,8 +23,8 @@
         <a:cs typeface="+mn-cs"/>
       </a:defRPr>
     </a:lvl1pPr>
-    <a:lvl2pPr marL="457200" algn="l" defTabSz="914400" rtl="0" eaLnBrk="1" latinLnBrk="0" hangingPunct="1">
-      <a:defRPr sz="1800" kern="1200">
+    <a:lvl2pPr marL="476905" algn="l" defTabSz="953811" rtl="0" eaLnBrk="1" latinLnBrk="0" hangingPunct="1">
+      <a:defRPr sz="1878" kern="1200">
         <a:solidFill>
           <a:schemeClr val="tx1"/>
         </a:solidFill>
@@ -33,8 +33,8 @@
         <a:cs typeface="+mn-cs"/>
       </a:defRPr>
     </a:lvl2pPr>
-    <a:lvl3pPr marL="914400" algn="l" defTabSz="914400" rtl="0" eaLnBrk="1" latinLnBrk="0" hangingPunct="1">
-      <a:defRPr sz="1800" kern="1200">
+    <a:lvl3pPr marL="953811" algn="l" defTabSz="953811" rtl="0" eaLnBrk="1" latinLnBrk="0" hangingPunct="1">
+      <a:defRPr sz="1878" kern="1200">
         <a:solidFill>
           <a:schemeClr val="tx1"/>
         </a:solidFill>
@@ -43,8 +43,8 @@
         <a:cs typeface="+mn-cs"/>
       </a:defRPr>
     </a:lvl3pPr>
-    <a:lvl4pPr marL="1371600" algn="l" defTabSz="914400" rtl="0" eaLnBrk="1" latinLnBrk="0" hangingPunct="1">
-      <a:defRPr sz="1800" kern="1200">
+    <a:lvl4pPr marL="1430716" algn="l" defTabSz="953811" rtl="0" eaLnBrk="1" latinLnBrk="0" hangingPunct="1">
+      <a:defRPr sz="1878" kern="1200">
         <a:solidFill>
           <a:schemeClr val="tx1"/>
         </a:solidFill>
@@ -53,8 +53,8 @@
         <a:cs typeface="+mn-cs"/>
       </a:defRPr>
     </a:lvl4pPr>
-    <a:lvl5pPr marL="1828800" algn="l" defTabSz="914400" rtl="0" eaLnBrk="1" latinLnBrk="0" hangingPunct="1">
-      <a:defRPr sz="1800" kern="1200">
+    <a:lvl5pPr marL="1907621" algn="l" defTabSz="953811" rtl="0" eaLnBrk="1" latinLnBrk="0" hangingPunct="1">
+      <a:defRPr sz="1878" kern="1200">
         <a:solidFill>
           <a:schemeClr val="tx1"/>
         </a:solidFill>
@@ -63,8 +63,8 @@
         <a:cs typeface="+mn-cs"/>
       </a:defRPr>
     </a:lvl5pPr>
-    <a:lvl6pPr marL="2286000" algn="l" defTabSz="914400" rtl="0" eaLnBrk="1" latinLnBrk="0" hangingPunct="1">
-      <a:defRPr sz="1800" kern="1200">
+    <a:lvl6pPr marL="2384527" algn="l" defTabSz="953811" rtl="0" eaLnBrk="1" latinLnBrk="0" hangingPunct="1">
+      <a:defRPr sz="1878" kern="1200">
         <a:solidFill>
           <a:schemeClr val="tx1"/>
         </a:solidFill>
@@ -73,8 +73,8 @@
         <a:cs typeface="+mn-cs"/>
       </a:defRPr>
     </a:lvl6pPr>
-    <a:lvl7pPr marL="2743200" algn="l" defTabSz="914400" rtl="0" eaLnBrk="1" latinLnBrk="0" hangingPunct="1">
-      <a:defRPr sz="1800" kern="1200">
+    <a:lvl7pPr marL="2861432" algn="l" defTabSz="953811" rtl="0" eaLnBrk="1" latinLnBrk="0" hangingPunct="1">
+      <a:defRPr sz="1878" kern="1200">
         <a:solidFill>
           <a:schemeClr val="tx1"/>
         </a:solidFill>
@@ -83,8 +83,8 @@
         <a:cs typeface="+mn-cs"/>
       </a:defRPr>
     </a:lvl7pPr>
-    <a:lvl8pPr marL="3200400" algn="l" defTabSz="914400" rtl="0" eaLnBrk="1" latinLnBrk="0" hangingPunct="1">
-      <a:defRPr sz="1800" kern="1200">
+    <a:lvl8pPr marL="3338337" algn="l" defTabSz="953811" rtl="0" eaLnBrk="1" latinLnBrk="0" hangingPunct="1">
+      <a:defRPr sz="1878" kern="1200">
         <a:solidFill>
           <a:schemeClr val="tx1"/>
         </a:solidFill>
@@ -93,8 +93,8 @@
         <a:cs typeface="+mn-cs"/>
       </a:defRPr>
     </a:lvl8pPr>
-    <a:lvl9pPr marL="3657600" algn="l" defTabSz="914400" rtl="0" eaLnBrk="1" latinLnBrk="0" hangingPunct="1">
-      <a:defRPr sz="1800" kern="1200">
+    <a:lvl9pPr marL="3815243" algn="l" defTabSz="953811" rtl="0" eaLnBrk="1" latinLnBrk="0" hangingPunct="1">
+      <a:defRPr sz="1878" kern="1200">
         <a:solidFill>
           <a:schemeClr val="tx1"/>
         </a:solidFill>
@@ -131,13 +131,7 @@
       </p:grpSpPr>
       <p:sp>
         <p:nvSpPr>
-          <p:cNvPr id="2" name="Title 1">
-            <a:extLst>
-              <a:ext uri="{FF2B5EF4-FFF2-40B4-BE49-F238E27FC236}">
-                <a16:creationId xmlns:a16="http://schemas.microsoft.com/office/drawing/2014/main" id="{096ADE48-B191-E548-87F9-F3FE8A3B9EB1}"/>
-              </a:ext>
-            </a:extLst>
-          </p:cNvPr>
+          <p:cNvPr id="2" name="Title 1"/>
           <p:cNvSpPr>
             <a:spLocks noGrp="1"/>
           </p:cNvSpPr>
@@ -147,15 +141,15 @@
         </p:nvSpPr>
         <p:spPr>
           <a:xfrm>
-            <a:off x="1524000" y="1122363"/>
-            <a:ext cx="9144000" cy="2387600"/>
+            <a:off x="1569641" y="1197187"/>
+            <a:ext cx="9417844" cy="2546773"/>
           </a:xfrm>
         </p:spPr>
         <p:txBody>
           <a:bodyPr anchor="b"/>
           <a:lstStyle>
             <a:lvl1pPr algn="ctr">
-              <a:defRPr sz="6000"/>
+              <a:defRPr sz="6179"/>
             </a:lvl1pPr>
           </a:lstStyle>
           <a:p>
@@ -163,18 +157,13 @@
               <a:rPr lang="en-US"/>
               <a:t>Click to edit Master title style</a:t>
             </a:r>
-          </a:p>
-        </p:txBody>
-      </p:sp>
-      <p:sp>
-        <p:nvSpPr>
-          <p:cNvPr id="3" name="Subtitle 2">
-            <a:extLst>
-              <a:ext uri="{FF2B5EF4-FFF2-40B4-BE49-F238E27FC236}">
-                <a16:creationId xmlns:a16="http://schemas.microsoft.com/office/drawing/2014/main" id="{FBE2C8FB-147B-C449-8836-83AFCE719594}"/>
-              </a:ext>
-            </a:extLst>
-          </p:cNvPr>
+            <a:endParaRPr lang="en-US" dirty="0"/>
+          </a:p>
+        </p:txBody>
+      </p:sp>
+      <p:sp>
+        <p:nvSpPr>
+          <p:cNvPr id="3" name="Subtitle 2"/>
           <p:cNvSpPr>
             <a:spLocks noGrp="1"/>
           </p:cNvSpPr>
@@ -184,8 +173,8 @@
         </p:nvSpPr>
         <p:spPr>
           <a:xfrm>
-            <a:off x="1524000" y="3602038"/>
-            <a:ext cx="9144000" cy="1655762"/>
+            <a:off x="1569641" y="3842174"/>
+            <a:ext cx="9417844" cy="1766146"/>
           </a:xfrm>
         </p:spPr>
         <p:txBody>
@@ -193,39 +182,39 @@
           <a:lstStyle>
             <a:lvl1pPr marL="0" indent="0" algn="ctr">
               <a:buNone/>
-              <a:defRPr sz="2400"/>
+              <a:defRPr sz="2472"/>
             </a:lvl1pPr>
-            <a:lvl2pPr marL="457200" indent="0" algn="ctr">
-              <a:buNone/>
-              <a:defRPr sz="2000"/>
+            <a:lvl2pPr marL="470870" indent="0" algn="ctr">
+              <a:buNone/>
+              <a:defRPr sz="2060"/>
             </a:lvl2pPr>
-            <a:lvl3pPr marL="914400" indent="0" algn="ctr">
-              <a:buNone/>
-              <a:defRPr sz="1800"/>
+            <a:lvl3pPr marL="941741" indent="0" algn="ctr">
+              <a:buNone/>
+              <a:defRPr sz="1854"/>
             </a:lvl3pPr>
-            <a:lvl4pPr marL="1371600" indent="0" algn="ctr">
-              <a:buNone/>
-              <a:defRPr sz="1600"/>
+            <a:lvl4pPr marL="1412611" indent="0" algn="ctr">
+              <a:buNone/>
+              <a:defRPr sz="1648"/>
             </a:lvl4pPr>
-            <a:lvl5pPr marL="1828800" indent="0" algn="ctr">
-              <a:buNone/>
-              <a:defRPr sz="1600"/>
+            <a:lvl5pPr marL="1883481" indent="0" algn="ctr">
+              <a:buNone/>
+              <a:defRPr sz="1648"/>
             </a:lvl5pPr>
-            <a:lvl6pPr marL="2286000" indent="0" algn="ctr">
-              <a:buNone/>
-              <a:defRPr sz="1600"/>
+            <a:lvl6pPr marL="2354351" indent="0" algn="ctr">
+              <a:buNone/>
+              <a:defRPr sz="1648"/>
             </a:lvl6pPr>
-            <a:lvl7pPr marL="2743200" indent="0" algn="ctr">
-              <a:buNone/>
-              <a:defRPr sz="1600"/>
+            <a:lvl7pPr marL="2825222" indent="0" algn="ctr">
+              <a:buNone/>
+              <a:defRPr sz="1648"/>
             </a:lvl7pPr>
-            <a:lvl8pPr marL="3200400" indent="0" algn="ctr">
-              <a:buNone/>
-              <a:defRPr sz="1600"/>
+            <a:lvl8pPr marL="3296092" indent="0" algn="ctr">
+              <a:buNone/>
+              <a:defRPr sz="1648"/>
             </a:lvl8pPr>
-            <a:lvl9pPr marL="3657600" indent="0" algn="ctr">
-              <a:buNone/>
-              <a:defRPr sz="1600"/>
+            <a:lvl9pPr marL="3766962" indent="0" algn="ctr">
+              <a:buNone/>
+              <a:defRPr sz="1648"/>
             </a:lvl9pPr>
           </a:lstStyle>
           <a:p>
@@ -233,18 +222,13 @@
               <a:rPr lang="en-US"/>
               <a:t>Click to edit Master subtitle style</a:t>
             </a:r>
-          </a:p>
-        </p:txBody>
-      </p:sp>
-      <p:sp>
-        <p:nvSpPr>
-          <p:cNvPr id="4" name="Date Placeholder 3">
-            <a:extLst>
-              <a:ext uri="{FF2B5EF4-FFF2-40B4-BE49-F238E27FC236}">
-                <a16:creationId xmlns:a16="http://schemas.microsoft.com/office/drawing/2014/main" id="{3B0E3495-81E1-864A-B2DA-FB9E924279D7}"/>
-              </a:ext>
-            </a:extLst>
-          </p:cNvPr>
+            <a:endParaRPr lang="en-US" dirty="0"/>
+          </a:p>
+        </p:txBody>
+      </p:sp>
+      <p:sp>
+        <p:nvSpPr>
+          <p:cNvPr id="4" name="Date Placeholder 3"/>
           <p:cNvSpPr>
             <a:spLocks noGrp="1"/>
           </p:cNvSpPr>
@@ -267,13 +251,7 @@
       </p:sp>
       <p:sp>
         <p:nvSpPr>
-          <p:cNvPr id="5" name="Footer Placeholder 4">
-            <a:extLst>
-              <a:ext uri="{FF2B5EF4-FFF2-40B4-BE49-F238E27FC236}">
-                <a16:creationId xmlns:a16="http://schemas.microsoft.com/office/drawing/2014/main" id="{4B0B60FC-E219-FF44-8903-3E6491790BB5}"/>
-              </a:ext>
-            </a:extLst>
-          </p:cNvPr>
+          <p:cNvPr id="5" name="Footer Placeholder 4"/>
           <p:cNvSpPr>
             <a:spLocks noGrp="1"/>
           </p:cNvSpPr>
@@ -292,13 +270,7 @@
       </p:sp>
       <p:sp>
         <p:nvSpPr>
-          <p:cNvPr id="6" name="Slide Number Placeholder 5">
-            <a:extLst>
-              <a:ext uri="{FF2B5EF4-FFF2-40B4-BE49-F238E27FC236}">
-                <a16:creationId xmlns:a16="http://schemas.microsoft.com/office/drawing/2014/main" id="{AB524F1D-EB4D-264D-A1FA-6C053BC70F1A}"/>
-              </a:ext>
-            </a:extLst>
-          </p:cNvPr>
+          <p:cNvPr id="6" name="Slide Number Placeholder 5"/>
           <p:cNvSpPr>
             <a:spLocks noGrp="1"/>
           </p:cNvSpPr>
@@ -322,7 +294,7 @@
     </p:spTree>
     <p:extLst>
       <p:ext uri="{BB962C8B-B14F-4D97-AF65-F5344CB8AC3E}">
-        <p14:creationId xmlns:p14="http://schemas.microsoft.com/office/powerpoint/2010/main" val="1533019620"/>
+        <p14:creationId xmlns:p14="http://schemas.microsoft.com/office/powerpoint/2010/main" val="1866329065"/>
       </p:ext>
     </p:extLst>
   </p:cSld>
@@ -351,13 +323,7 @@
       </p:grpSpPr>
       <p:sp>
         <p:nvSpPr>
-          <p:cNvPr id="2" name="Title 1">
-            <a:extLst>
-              <a:ext uri="{FF2B5EF4-FFF2-40B4-BE49-F238E27FC236}">
-                <a16:creationId xmlns:a16="http://schemas.microsoft.com/office/drawing/2014/main" id="{129FF6A9-C917-4641-A667-5F59FA714194}"/>
-              </a:ext>
-            </a:extLst>
-          </p:cNvPr>
+          <p:cNvPr id="2" name="Title 1"/>
           <p:cNvSpPr>
             <a:spLocks noGrp="1"/>
           </p:cNvSpPr>
@@ -374,18 +340,13 @@
               <a:rPr lang="en-US"/>
               <a:t>Click to edit Master title style</a:t>
             </a:r>
-          </a:p>
-        </p:txBody>
-      </p:sp>
-      <p:sp>
-        <p:nvSpPr>
-          <p:cNvPr id="3" name="Vertical Text Placeholder 2">
-            <a:extLst>
-              <a:ext uri="{FF2B5EF4-FFF2-40B4-BE49-F238E27FC236}">
-                <a16:creationId xmlns:a16="http://schemas.microsoft.com/office/drawing/2014/main" id="{89F37455-59FC-5E45-9BFB-0ADED486082B}"/>
-              </a:ext>
-            </a:extLst>
-          </p:cNvPr>
+            <a:endParaRPr lang="en-US" dirty="0"/>
+          </a:p>
+        </p:txBody>
+      </p:sp>
+      <p:sp>
+        <p:nvSpPr>
+          <p:cNvPr id="3" name="Vertical Text Placeholder 2"/>
           <p:cNvSpPr>
             <a:spLocks noGrp="1"/>
           </p:cNvSpPr>
@@ -431,18 +392,13 @@
               <a:rPr lang="en-US"/>
               <a:t>Fifth level</a:t>
             </a:r>
-          </a:p>
-        </p:txBody>
-      </p:sp>
-      <p:sp>
-        <p:nvSpPr>
-          <p:cNvPr id="4" name="Date Placeholder 3">
-            <a:extLst>
-              <a:ext uri="{FF2B5EF4-FFF2-40B4-BE49-F238E27FC236}">
-                <a16:creationId xmlns:a16="http://schemas.microsoft.com/office/drawing/2014/main" id="{D67CEDAC-BA9C-DB4C-B856-02E81C28942F}"/>
-              </a:ext>
-            </a:extLst>
-          </p:cNvPr>
+            <a:endParaRPr lang="en-US" dirty="0"/>
+          </a:p>
+        </p:txBody>
+      </p:sp>
+      <p:sp>
+        <p:nvSpPr>
+          <p:cNvPr id="4" name="Date Placeholder 3"/>
           <p:cNvSpPr>
             <a:spLocks noGrp="1"/>
           </p:cNvSpPr>
@@ -465,13 +421,7 @@
       </p:sp>
       <p:sp>
         <p:nvSpPr>
-          <p:cNvPr id="5" name="Footer Placeholder 4">
-            <a:extLst>
-              <a:ext uri="{FF2B5EF4-FFF2-40B4-BE49-F238E27FC236}">
-                <a16:creationId xmlns:a16="http://schemas.microsoft.com/office/drawing/2014/main" id="{74D3A549-BF2A-3A4A-B8C6-4A45AA2F8347}"/>
-              </a:ext>
-            </a:extLst>
-          </p:cNvPr>
+          <p:cNvPr id="5" name="Footer Placeholder 4"/>
           <p:cNvSpPr>
             <a:spLocks noGrp="1"/>
           </p:cNvSpPr>
@@ -490,13 +440,7 @@
       </p:sp>
       <p:sp>
         <p:nvSpPr>
-          <p:cNvPr id="6" name="Slide Number Placeholder 5">
-            <a:extLst>
-              <a:ext uri="{FF2B5EF4-FFF2-40B4-BE49-F238E27FC236}">
-                <a16:creationId xmlns:a16="http://schemas.microsoft.com/office/drawing/2014/main" id="{7D348A3A-FF4F-B045-984F-401AF9DA843A}"/>
-              </a:ext>
-            </a:extLst>
-          </p:cNvPr>
+          <p:cNvPr id="6" name="Slide Number Placeholder 5"/>
           <p:cNvSpPr>
             <a:spLocks noGrp="1"/>
           </p:cNvSpPr>
@@ -520,7 +464,7 @@
     </p:spTree>
     <p:extLst>
       <p:ext uri="{BB962C8B-B14F-4D97-AF65-F5344CB8AC3E}">
-        <p14:creationId xmlns:p14="http://schemas.microsoft.com/office/powerpoint/2010/main" val="3156049787"/>
+        <p14:creationId xmlns:p14="http://schemas.microsoft.com/office/powerpoint/2010/main" val="3911957045"/>
       </p:ext>
     </p:extLst>
   </p:cSld>
@@ -549,13 +493,7 @@
       </p:grpSpPr>
       <p:sp>
         <p:nvSpPr>
-          <p:cNvPr id="2" name="Vertical Title 1">
-            <a:extLst>
-              <a:ext uri="{FF2B5EF4-FFF2-40B4-BE49-F238E27FC236}">
-                <a16:creationId xmlns:a16="http://schemas.microsoft.com/office/drawing/2014/main" id="{2FC9E4D5-9C62-6042-8C45-2B46A7ECB6D7}"/>
-              </a:ext>
-            </a:extLst>
-          </p:cNvPr>
+          <p:cNvPr id="2" name="Vertical Title 1"/>
           <p:cNvSpPr>
             <a:spLocks noGrp="1"/>
           </p:cNvSpPr>
@@ -565,8 +503,8 @@
         </p:nvSpPr>
         <p:spPr>
           <a:xfrm>
-            <a:off x="8724900" y="365125"/>
-            <a:ext cx="2628900" cy="5811838"/>
+            <a:off x="8986193" y="389467"/>
+            <a:ext cx="2707630" cy="6199294"/>
           </a:xfrm>
         </p:spPr>
         <p:txBody>
@@ -577,18 +515,13 @@
               <a:rPr lang="en-US"/>
               <a:t>Click to edit Master title style</a:t>
             </a:r>
-          </a:p>
-        </p:txBody>
-      </p:sp>
-      <p:sp>
-        <p:nvSpPr>
-          <p:cNvPr id="3" name="Vertical Text Placeholder 2">
-            <a:extLst>
-              <a:ext uri="{FF2B5EF4-FFF2-40B4-BE49-F238E27FC236}">
-                <a16:creationId xmlns:a16="http://schemas.microsoft.com/office/drawing/2014/main" id="{092522AF-8FAD-DA43-BF54-928F30F3036E}"/>
-              </a:ext>
-            </a:extLst>
-          </p:cNvPr>
+            <a:endParaRPr lang="en-US" dirty="0"/>
+          </a:p>
+        </p:txBody>
+      </p:sp>
+      <p:sp>
+        <p:nvSpPr>
+          <p:cNvPr id="3" name="Vertical Text Placeholder 2"/>
           <p:cNvSpPr>
             <a:spLocks noGrp="1"/>
           </p:cNvSpPr>
@@ -598,8 +531,8 @@
         </p:nvSpPr>
         <p:spPr>
           <a:xfrm>
-            <a:off x="838200" y="365125"/>
-            <a:ext cx="7734300" cy="5811838"/>
+            <a:off x="863302" y="389467"/>
+            <a:ext cx="7965926" cy="6199294"/>
           </a:xfrm>
         </p:spPr>
         <p:txBody>
@@ -639,18 +572,13 @@
               <a:rPr lang="en-US"/>
               <a:t>Fifth level</a:t>
             </a:r>
-          </a:p>
-        </p:txBody>
-      </p:sp>
-      <p:sp>
-        <p:nvSpPr>
-          <p:cNvPr id="4" name="Date Placeholder 3">
-            <a:extLst>
-              <a:ext uri="{FF2B5EF4-FFF2-40B4-BE49-F238E27FC236}">
-                <a16:creationId xmlns:a16="http://schemas.microsoft.com/office/drawing/2014/main" id="{432295BF-04BD-4841-BFE7-454320033EDC}"/>
-              </a:ext>
-            </a:extLst>
-          </p:cNvPr>
+            <a:endParaRPr lang="en-US" dirty="0"/>
+          </a:p>
+        </p:txBody>
+      </p:sp>
+      <p:sp>
+        <p:nvSpPr>
+          <p:cNvPr id="4" name="Date Placeholder 3"/>
           <p:cNvSpPr>
             <a:spLocks noGrp="1"/>
           </p:cNvSpPr>
@@ -673,13 +601,7 @@
       </p:sp>
       <p:sp>
         <p:nvSpPr>
-          <p:cNvPr id="5" name="Footer Placeholder 4">
-            <a:extLst>
-              <a:ext uri="{FF2B5EF4-FFF2-40B4-BE49-F238E27FC236}">
-                <a16:creationId xmlns:a16="http://schemas.microsoft.com/office/drawing/2014/main" id="{F8397345-A302-9246-90E8-ED1AA3A56E87}"/>
-              </a:ext>
-            </a:extLst>
-          </p:cNvPr>
+          <p:cNvPr id="5" name="Footer Placeholder 4"/>
           <p:cNvSpPr>
             <a:spLocks noGrp="1"/>
           </p:cNvSpPr>
@@ -698,13 +620,7 @@
       </p:sp>
       <p:sp>
         <p:nvSpPr>
-          <p:cNvPr id="6" name="Slide Number Placeholder 5">
-            <a:extLst>
-              <a:ext uri="{FF2B5EF4-FFF2-40B4-BE49-F238E27FC236}">
-                <a16:creationId xmlns:a16="http://schemas.microsoft.com/office/drawing/2014/main" id="{CB73631B-C3F1-054D-882E-ABB4771CF609}"/>
-              </a:ext>
-            </a:extLst>
-          </p:cNvPr>
+          <p:cNvPr id="6" name="Slide Number Placeholder 5"/>
           <p:cNvSpPr>
             <a:spLocks noGrp="1"/>
           </p:cNvSpPr>
@@ -728,7 +644,7 @@
     </p:spTree>
     <p:extLst>
       <p:ext uri="{BB962C8B-B14F-4D97-AF65-F5344CB8AC3E}">
-        <p14:creationId xmlns:p14="http://schemas.microsoft.com/office/powerpoint/2010/main" val="2210501494"/>
+        <p14:creationId xmlns:p14="http://schemas.microsoft.com/office/powerpoint/2010/main" val="2025979027"/>
       </p:ext>
     </p:extLst>
   </p:cSld>
@@ -757,13 +673,7 @@
       </p:grpSpPr>
       <p:sp>
         <p:nvSpPr>
-          <p:cNvPr id="2" name="Title 1">
-            <a:extLst>
-              <a:ext uri="{FF2B5EF4-FFF2-40B4-BE49-F238E27FC236}">
-                <a16:creationId xmlns:a16="http://schemas.microsoft.com/office/drawing/2014/main" id="{7FF3D6B7-4899-6D45-98A9-56D1F0798A58}"/>
-              </a:ext>
-            </a:extLst>
-          </p:cNvPr>
+          <p:cNvPr id="2" name="Title 1"/>
           <p:cNvSpPr>
             <a:spLocks noGrp="1"/>
           </p:cNvSpPr>
@@ -780,18 +690,13 @@
               <a:rPr lang="en-US"/>
               <a:t>Click to edit Master title style</a:t>
             </a:r>
-          </a:p>
-        </p:txBody>
-      </p:sp>
-      <p:sp>
-        <p:nvSpPr>
-          <p:cNvPr id="3" name="Content Placeholder 2">
-            <a:extLst>
-              <a:ext uri="{FF2B5EF4-FFF2-40B4-BE49-F238E27FC236}">
-                <a16:creationId xmlns:a16="http://schemas.microsoft.com/office/drawing/2014/main" id="{23EFC638-A9D4-774E-8735-F0D6D6BFC1F8}"/>
-              </a:ext>
-            </a:extLst>
-          </p:cNvPr>
+            <a:endParaRPr lang="en-US" dirty="0"/>
+          </a:p>
+        </p:txBody>
+      </p:sp>
+      <p:sp>
+        <p:nvSpPr>
+          <p:cNvPr id="3" name="Content Placeholder 2"/>
           <p:cNvSpPr>
             <a:spLocks noGrp="1"/>
           </p:cNvSpPr>
@@ -837,18 +742,13 @@
               <a:rPr lang="en-US"/>
               <a:t>Fifth level</a:t>
             </a:r>
-          </a:p>
-        </p:txBody>
-      </p:sp>
-      <p:sp>
-        <p:nvSpPr>
-          <p:cNvPr id="4" name="Date Placeholder 3">
-            <a:extLst>
-              <a:ext uri="{FF2B5EF4-FFF2-40B4-BE49-F238E27FC236}">
-                <a16:creationId xmlns:a16="http://schemas.microsoft.com/office/drawing/2014/main" id="{C272E12E-A3B6-624C-87CC-EFA80B999BB3}"/>
-              </a:ext>
-            </a:extLst>
-          </p:cNvPr>
+            <a:endParaRPr lang="en-US" dirty="0"/>
+          </a:p>
+        </p:txBody>
+      </p:sp>
+      <p:sp>
+        <p:nvSpPr>
+          <p:cNvPr id="4" name="Date Placeholder 3"/>
           <p:cNvSpPr>
             <a:spLocks noGrp="1"/>
           </p:cNvSpPr>
@@ -871,13 +771,7 @@
       </p:sp>
       <p:sp>
         <p:nvSpPr>
-          <p:cNvPr id="5" name="Footer Placeholder 4">
-            <a:extLst>
-              <a:ext uri="{FF2B5EF4-FFF2-40B4-BE49-F238E27FC236}">
-                <a16:creationId xmlns:a16="http://schemas.microsoft.com/office/drawing/2014/main" id="{C8BF0825-56EE-444E-B869-3EEE1B78D1A7}"/>
-              </a:ext>
-            </a:extLst>
-          </p:cNvPr>
+          <p:cNvPr id="5" name="Footer Placeholder 4"/>
           <p:cNvSpPr>
             <a:spLocks noGrp="1"/>
           </p:cNvSpPr>
@@ -896,13 +790,7 @@
       </p:sp>
       <p:sp>
         <p:nvSpPr>
-          <p:cNvPr id="6" name="Slide Number Placeholder 5">
-            <a:extLst>
-              <a:ext uri="{FF2B5EF4-FFF2-40B4-BE49-F238E27FC236}">
-                <a16:creationId xmlns:a16="http://schemas.microsoft.com/office/drawing/2014/main" id="{DDC81C92-A1AB-3842-AD77-F05636238DDF}"/>
-              </a:ext>
-            </a:extLst>
-          </p:cNvPr>
+          <p:cNvPr id="6" name="Slide Number Placeholder 5"/>
           <p:cNvSpPr>
             <a:spLocks noGrp="1"/>
           </p:cNvSpPr>
@@ -926,7 +814,7 @@
     </p:spTree>
     <p:extLst>
       <p:ext uri="{BB962C8B-B14F-4D97-AF65-F5344CB8AC3E}">
-        <p14:creationId xmlns:p14="http://schemas.microsoft.com/office/powerpoint/2010/main" val="192763309"/>
+        <p14:creationId xmlns:p14="http://schemas.microsoft.com/office/powerpoint/2010/main" val="3353434965"/>
       </p:ext>
     </p:extLst>
   </p:cSld>
@@ -955,13 +843,7 @@
       </p:grpSpPr>
       <p:sp>
         <p:nvSpPr>
-          <p:cNvPr id="2" name="Title 1">
-            <a:extLst>
-              <a:ext uri="{FF2B5EF4-FFF2-40B4-BE49-F238E27FC236}">
-                <a16:creationId xmlns:a16="http://schemas.microsoft.com/office/drawing/2014/main" id="{4B25162A-95FA-8D4C-9085-0DD1563A1661}"/>
-              </a:ext>
-            </a:extLst>
-          </p:cNvPr>
+          <p:cNvPr id="2" name="Title 1"/>
           <p:cNvSpPr>
             <a:spLocks noGrp="1"/>
           </p:cNvSpPr>
@@ -971,15 +853,15 @@
         </p:nvSpPr>
         <p:spPr>
           <a:xfrm>
-            <a:off x="831850" y="1709738"/>
-            <a:ext cx="10515600" cy="2852737"/>
+            <a:off x="856762" y="1823721"/>
+            <a:ext cx="10830520" cy="3042919"/>
           </a:xfrm>
         </p:spPr>
         <p:txBody>
           <a:bodyPr anchor="b"/>
           <a:lstStyle>
             <a:lvl1pPr>
-              <a:defRPr sz="6000"/>
+              <a:defRPr sz="6179"/>
             </a:lvl1pPr>
           </a:lstStyle>
           <a:p>
@@ -987,18 +869,13 @@
               <a:rPr lang="en-US"/>
               <a:t>Click to edit Master title style</a:t>
             </a:r>
-          </a:p>
-        </p:txBody>
-      </p:sp>
-      <p:sp>
-        <p:nvSpPr>
-          <p:cNvPr id="3" name="Text Placeholder 2">
-            <a:extLst>
-              <a:ext uri="{FF2B5EF4-FFF2-40B4-BE49-F238E27FC236}">
-                <a16:creationId xmlns:a16="http://schemas.microsoft.com/office/drawing/2014/main" id="{45D9A86E-D3CC-0847-AFA0-D701B381B503}"/>
-              </a:ext>
-            </a:extLst>
-          </p:cNvPr>
+            <a:endParaRPr lang="en-US" dirty="0"/>
+          </a:p>
+        </p:txBody>
+      </p:sp>
+      <p:sp>
+        <p:nvSpPr>
+          <p:cNvPr id="3" name="Text Placeholder 2"/>
           <p:cNvSpPr>
             <a:spLocks noGrp="1"/>
           </p:cNvSpPr>
@@ -1008,8 +885,8 @@
         </p:nvSpPr>
         <p:spPr>
           <a:xfrm>
-            <a:off x="831850" y="4589463"/>
-            <a:ext cx="10515600" cy="1500187"/>
+            <a:off x="856762" y="4895428"/>
+            <a:ext cx="10830520" cy="1600199"/>
           </a:xfrm>
         </p:spPr>
         <p:txBody>
@@ -1017,7 +894,7 @@
           <a:lstStyle>
             <a:lvl1pPr marL="0" indent="0">
               <a:buNone/>
-              <a:defRPr sz="2400">
+              <a:defRPr sz="2472">
                 <a:solidFill>
                   <a:schemeClr val="tx1">
                     <a:tint val="75000"/>
@@ -1025,9 +902,9 @@
                 </a:solidFill>
               </a:defRPr>
             </a:lvl1pPr>
-            <a:lvl2pPr marL="457200" indent="0">
-              <a:buNone/>
-              <a:defRPr sz="2000">
+            <a:lvl2pPr marL="470870" indent="0">
+              <a:buNone/>
+              <a:defRPr sz="2060">
                 <a:solidFill>
                   <a:schemeClr val="tx1">
                     <a:tint val="75000"/>
@@ -1035,9 +912,9 @@
                 </a:solidFill>
               </a:defRPr>
             </a:lvl2pPr>
-            <a:lvl3pPr marL="914400" indent="0">
-              <a:buNone/>
-              <a:defRPr sz="1800">
+            <a:lvl3pPr marL="941741" indent="0">
+              <a:buNone/>
+              <a:defRPr sz="1854">
                 <a:solidFill>
                   <a:schemeClr val="tx1">
                     <a:tint val="75000"/>
@@ -1045,9 +922,9 @@
                 </a:solidFill>
               </a:defRPr>
             </a:lvl3pPr>
-            <a:lvl4pPr marL="1371600" indent="0">
-              <a:buNone/>
-              <a:defRPr sz="1600">
+            <a:lvl4pPr marL="1412611" indent="0">
+              <a:buNone/>
+              <a:defRPr sz="1648">
                 <a:solidFill>
                   <a:schemeClr val="tx1">
                     <a:tint val="75000"/>
@@ -1055,9 +932,9 @@
                 </a:solidFill>
               </a:defRPr>
             </a:lvl4pPr>
-            <a:lvl5pPr marL="1828800" indent="0">
-              <a:buNone/>
-              <a:defRPr sz="1600">
+            <a:lvl5pPr marL="1883481" indent="0">
+              <a:buNone/>
+              <a:defRPr sz="1648">
                 <a:solidFill>
                   <a:schemeClr val="tx1">
                     <a:tint val="75000"/>
@@ -1065,9 +942,9 @@
                 </a:solidFill>
               </a:defRPr>
             </a:lvl5pPr>
-            <a:lvl6pPr marL="2286000" indent="0">
-              <a:buNone/>
-              <a:defRPr sz="1600">
+            <a:lvl6pPr marL="2354351" indent="0">
+              <a:buNone/>
+              <a:defRPr sz="1648">
                 <a:solidFill>
                   <a:schemeClr val="tx1">
                     <a:tint val="75000"/>
@@ -1075,9 +952,9 @@
                 </a:solidFill>
               </a:defRPr>
             </a:lvl6pPr>
-            <a:lvl7pPr marL="2743200" indent="0">
-              <a:buNone/>
-              <a:defRPr sz="1600">
+            <a:lvl7pPr marL="2825222" indent="0">
+              <a:buNone/>
+              <a:defRPr sz="1648">
                 <a:solidFill>
                   <a:schemeClr val="tx1">
                     <a:tint val="75000"/>
@@ -1085,9 +962,9 @@
                 </a:solidFill>
               </a:defRPr>
             </a:lvl7pPr>
-            <a:lvl8pPr marL="3200400" indent="0">
-              <a:buNone/>
-              <a:defRPr sz="1600">
+            <a:lvl8pPr marL="3296092" indent="0">
+              <a:buNone/>
+              <a:defRPr sz="1648">
                 <a:solidFill>
                   <a:schemeClr val="tx1">
                     <a:tint val="75000"/>
@@ -1095,9 +972,9 @@
                 </a:solidFill>
               </a:defRPr>
             </a:lvl8pPr>
-            <a:lvl9pPr marL="3657600" indent="0">
-              <a:buNone/>
-              <a:defRPr sz="1600">
+            <a:lvl9pPr marL="3766962" indent="0">
+              <a:buNone/>
+              <a:defRPr sz="1648">
                 <a:solidFill>
                   <a:schemeClr val="tx1">
                     <a:tint val="75000"/>
@@ -1117,13 +994,7 @@
       </p:sp>
       <p:sp>
         <p:nvSpPr>
-          <p:cNvPr id="4" name="Date Placeholder 3">
-            <a:extLst>
-              <a:ext uri="{FF2B5EF4-FFF2-40B4-BE49-F238E27FC236}">
-                <a16:creationId xmlns:a16="http://schemas.microsoft.com/office/drawing/2014/main" id="{CA93B12D-8970-4B49-8EF6-AB280E689D58}"/>
-              </a:ext>
-            </a:extLst>
-          </p:cNvPr>
+          <p:cNvPr id="4" name="Date Placeholder 3"/>
           <p:cNvSpPr>
             <a:spLocks noGrp="1"/>
           </p:cNvSpPr>
@@ -1146,13 +1017,7 @@
       </p:sp>
       <p:sp>
         <p:nvSpPr>
-          <p:cNvPr id="5" name="Footer Placeholder 4">
-            <a:extLst>
-              <a:ext uri="{FF2B5EF4-FFF2-40B4-BE49-F238E27FC236}">
-                <a16:creationId xmlns:a16="http://schemas.microsoft.com/office/drawing/2014/main" id="{2F1F2911-9E85-5646-94CB-B39FE6C957CA}"/>
-              </a:ext>
-            </a:extLst>
-          </p:cNvPr>
+          <p:cNvPr id="5" name="Footer Placeholder 4"/>
           <p:cNvSpPr>
             <a:spLocks noGrp="1"/>
           </p:cNvSpPr>
@@ -1171,13 +1036,7 @@
       </p:sp>
       <p:sp>
         <p:nvSpPr>
-          <p:cNvPr id="6" name="Slide Number Placeholder 5">
-            <a:extLst>
-              <a:ext uri="{FF2B5EF4-FFF2-40B4-BE49-F238E27FC236}">
-                <a16:creationId xmlns:a16="http://schemas.microsoft.com/office/drawing/2014/main" id="{E1E4B6B7-FA0E-9542-AD27-0976141B60D8}"/>
-              </a:ext>
-            </a:extLst>
-          </p:cNvPr>
+          <p:cNvPr id="6" name="Slide Number Placeholder 5"/>
           <p:cNvSpPr>
             <a:spLocks noGrp="1"/>
           </p:cNvSpPr>
@@ -1201,7 +1060,7 @@
     </p:spTree>
     <p:extLst>
       <p:ext uri="{BB962C8B-B14F-4D97-AF65-F5344CB8AC3E}">
-        <p14:creationId xmlns:p14="http://schemas.microsoft.com/office/powerpoint/2010/main" val="3965153121"/>
+        <p14:creationId xmlns:p14="http://schemas.microsoft.com/office/powerpoint/2010/main" val="694558338"/>
       </p:ext>
     </p:extLst>
   </p:cSld>
@@ -1230,13 +1089,7 @@
       </p:grpSpPr>
       <p:sp>
         <p:nvSpPr>
-          <p:cNvPr id="2" name="Title 1">
-            <a:extLst>
-              <a:ext uri="{FF2B5EF4-FFF2-40B4-BE49-F238E27FC236}">
-                <a16:creationId xmlns:a16="http://schemas.microsoft.com/office/drawing/2014/main" id="{5551CC10-C4E7-794F-8A67-3C2B652138AC}"/>
-              </a:ext>
-            </a:extLst>
-          </p:cNvPr>
+          <p:cNvPr id="2" name="Title 1"/>
           <p:cNvSpPr>
             <a:spLocks noGrp="1"/>
           </p:cNvSpPr>
@@ -1253,18 +1106,13 @@
               <a:rPr lang="en-US"/>
               <a:t>Click to edit Master title style</a:t>
             </a:r>
-          </a:p>
-        </p:txBody>
-      </p:sp>
-      <p:sp>
-        <p:nvSpPr>
-          <p:cNvPr id="3" name="Content Placeholder 2">
-            <a:extLst>
-              <a:ext uri="{FF2B5EF4-FFF2-40B4-BE49-F238E27FC236}">
-                <a16:creationId xmlns:a16="http://schemas.microsoft.com/office/drawing/2014/main" id="{6F697A05-D035-734D-9430-0E39B107C5EE}"/>
-              </a:ext>
-            </a:extLst>
-          </p:cNvPr>
+            <a:endParaRPr lang="en-US" dirty="0"/>
+          </a:p>
+        </p:txBody>
+      </p:sp>
+      <p:sp>
+        <p:nvSpPr>
+          <p:cNvPr id="3" name="Content Placeholder 2"/>
           <p:cNvSpPr>
             <a:spLocks noGrp="1"/>
           </p:cNvSpPr>
@@ -1274,8 +1122,8 @@
         </p:nvSpPr>
         <p:spPr>
           <a:xfrm>
-            <a:off x="838200" y="1825625"/>
-            <a:ext cx="5181600" cy="4351338"/>
+            <a:off x="863302" y="1947333"/>
+            <a:ext cx="5336778" cy="4641427"/>
           </a:xfrm>
         </p:spPr>
         <p:txBody>
@@ -1315,18 +1163,13 @@
               <a:rPr lang="en-US"/>
               <a:t>Fifth level</a:t>
             </a:r>
-          </a:p>
-        </p:txBody>
-      </p:sp>
-      <p:sp>
-        <p:nvSpPr>
-          <p:cNvPr id="4" name="Content Placeholder 3">
-            <a:extLst>
-              <a:ext uri="{FF2B5EF4-FFF2-40B4-BE49-F238E27FC236}">
-                <a16:creationId xmlns:a16="http://schemas.microsoft.com/office/drawing/2014/main" id="{6D9665F9-1291-E84C-9936-05F19A43D046}"/>
-              </a:ext>
-            </a:extLst>
-          </p:cNvPr>
+            <a:endParaRPr lang="en-US" dirty="0"/>
+          </a:p>
+        </p:txBody>
+      </p:sp>
+      <p:sp>
+        <p:nvSpPr>
+          <p:cNvPr id="4" name="Content Placeholder 3"/>
           <p:cNvSpPr>
             <a:spLocks noGrp="1"/>
           </p:cNvSpPr>
@@ -1336,8 +1179,8 @@
         </p:nvSpPr>
         <p:spPr>
           <a:xfrm>
-            <a:off x="6172200" y="1825625"/>
-            <a:ext cx="5181600" cy="4351338"/>
+            <a:off x="6357045" y="1947333"/>
+            <a:ext cx="5336778" cy="4641427"/>
           </a:xfrm>
         </p:spPr>
         <p:txBody>
@@ -1377,18 +1220,13 @@
               <a:rPr lang="en-US"/>
               <a:t>Fifth level</a:t>
             </a:r>
-          </a:p>
-        </p:txBody>
-      </p:sp>
-      <p:sp>
-        <p:nvSpPr>
-          <p:cNvPr id="5" name="Date Placeholder 4">
-            <a:extLst>
-              <a:ext uri="{FF2B5EF4-FFF2-40B4-BE49-F238E27FC236}">
-                <a16:creationId xmlns:a16="http://schemas.microsoft.com/office/drawing/2014/main" id="{ADF3BCE6-4F5C-794E-93F3-8D781627F8ED}"/>
-              </a:ext>
-            </a:extLst>
-          </p:cNvPr>
+            <a:endParaRPr lang="en-US" dirty="0"/>
+          </a:p>
+        </p:txBody>
+      </p:sp>
+      <p:sp>
+        <p:nvSpPr>
+          <p:cNvPr id="5" name="Date Placeholder 4"/>
           <p:cNvSpPr>
             <a:spLocks noGrp="1"/>
           </p:cNvSpPr>
@@ -1411,13 +1249,7 @@
       </p:sp>
       <p:sp>
         <p:nvSpPr>
-          <p:cNvPr id="6" name="Footer Placeholder 5">
-            <a:extLst>
-              <a:ext uri="{FF2B5EF4-FFF2-40B4-BE49-F238E27FC236}">
-                <a16:creationId xmlns:a16="http://schemas.microsoft.com/office/drawing/2014/main" id="{89D06BC0-59AC-1540-9EA3-B96E33472A02}"/>
-              </a:ext>
-            </a:extLst>
-          </p:cNvPr>
+          <p:cNvPr id="6" name="Footer Placeholder 5"/>
           <p:cNvSpPr>
             <a:spLocks noGrp="1"/>
           </p:cNvSpPr>
@@ -1436,13 +1268,7 @@
       </p:sp>
       <p:sp>
         <p:nvSpPr>
-          <p:cNvPr id="7" name="Slide Number Placeholder 6">
-            <a:extLst>
-              <a:ext uri="{FF2B5EF4-FFF2-40B4-BE49-F238E27FC236}">
-                <a16:creationId xmlns:a16="http://schemas.microsoft.com/office/drawing/2014/main" id="{0E146851-6F2D-FC41-BA09-59DE1BD14C1A}"/>
-              </a:ext>
-            </a:extLst>
-          </p:cNvPr>
+          <p:cNvPr id="7" name="Slide Number Placeholder 6"/>
           <p:cNvSpPr>
             <a:spLocks noGrp="1"/>
           </p:cNvSpPr>
@@ -1466,7 +1292,7 @@
     </p:spTree>
     <p:extLst>
       <p:ext uri="{BB962C8B-B14F-4D97-AF65-F5344CB8AC3E}">
-        <p14:creationId xmlns:p14="http://schemas.microsoft.com/office/powerpoint/2010/main" val="3539718331"/>
+        <p14:creationId xmlns:p14="http://schemas.microsoft.com/office/powerpoint/2010/main" val="2564642963"/>
       </p:ext>
     </p:extLst>
   </p:cSld>
@@ -1495,13 +1321,7 @@
       </p:grpSpPr>
       <p:sp>
         <p:nvSpPr>
-          <p:cNvPr id="2" name="Title 1">
-            <a:extLst>
-              <a:ext uri="{FF2B5EF4-FFF2-40B4-BE49-F238E27FC236}">
-                <a16:creationId xmlns:a16="http://schemas.microsoft.com/office/drawing/2014/main" id="{C9849624-7EEB-8647-850D-AEAD019BEE9B}"/>
-              </a:ext>
-            </a:extLst>
-          </p:cNvPr>
+          <p:cNvPr id="2" name="Title 1"/>
           <p:cNvSpPr>
             <a:spLocks noGrp="1"/>
           </p:cNvSpPr>
@@ -1511,8 +1331,8 @@
         </p:nvSpPr>
         <p:spPr>
           <a:xfrm>
-            <a:off x="839788" y="365125"/>
-            <a:ext cx="10515600" cy="1325563"/>
+            <a:off x="864938" y="389467"/>
+            <a:ext cx="10830520" cy="1413934"/>
           </a:xfrm>
         </p:spPr>
         <p:txBody>
@@ -1523,18 +1343,13 @@
               <a:rPr lang="en-US"/>
               <a:t>Click to edit Master title style</a:t>
             </a:r>
-          </a:p>
-        </p:txBody>
-      </p:sp>
-      <p:sp>
-        <p:nvSpPr>
-          <p:cNvPr id="3" name="Text Placeholder 2">
-            <a:extLst>
-              <a:ext uri="{FF2B5EF4-FFF2-40B4-BE49-F238E27FC236}">
-                <a16:creationId xmlns:a16="http://schemas.microsoft.com/office/drawing/2014/main" id="{81260192-130E-2B4E-B855-2BDCCF4EC39A}"/>
-              </a:ext>
-            </a:extLst>
-          </p:cNvPr>
+            <a:endParaRPr lang="en-US" dirty="0"/>
+          </a:p>
+        </p:txBody>
+      </p:sp>
+      <p:sp>
+        <p:nvSpPr>
+          <p:cNvPr id="3" name="Text Placeholder 2"/>
           <p:cNvSpPr>
             <a:spLocks noGrp="1"/>
           </p:cNvSpPr>
@@ -1544,8 +1359,8 @@
         </p:nvSpPr>
         <p:spPr>
           <a:xfrm>
-            <a:off x="839788" y="1681163"/>
-            <a:ext cx="5157787" cy="823912"/>
+            <a:off x="864938" y="1793241"/>
+            <a:ext cx="5312252" cy="878839"/>
           </a:xfrm>
         </p:spPr>
         <p:txBody>
@@ -1553,39 +1368,39 @@
           <a:lstStyle>
             <a:lvl1pPr marL="0" indent="0">
               <a:buNone/>
-              <a:defRPr sz="2400" b="1"/>
+              <a:defRPr sz="2472" b="1"/>
             </a:lvl1pPr>
-            <a:lvl2pPr marL="457200" indent="0">
-              <a:buNone/>
-              <a:defRPr sz="2000" b="1"/>
+            <a:lvl2pPr marL="470870" indent="0">
+              <a:buNone/>
+              <a:defRPr sz="2060" b="1"/>
             </a:lvl2pPr>
-            <a:lvl3pPr marL="914400" indent="0">
-              <a:buNone/>
-              <a:defRPr sz="1800" b="1"/>
+            <a:lvl3pPr marL="941741" indent="0">
+              <a:buNone/>
+              <a:defRPr sz="1854" b="1"/>
             </a:lvl3pPr>
-            <a:lvl4pPr marL="1371600" indent="0">
-              <a:buNone/>
-              <a:defRPr sz="1600" b="1"/>
+            <a:lvl4pPr marL="1412611" indent="0">
+              <a:buNone/>
+              <a:defRPr sz="1648" b="1"/>
             </a:lvl4pPr>
-            <a:lvl5pPr marL="1828800" indent="0">
-              <a:buNone/>
-              <a:defRPr sz="1600" b="1"/>
+            <a:lvl5pPr marL="1883481" indent="0">
+              <a:buNone/>
+              <a:defRPr sz="1648" b="1"/>
             </a:lvl5pPr>
-            <a:lvl6pPr marL="2286000" indent="0">
-              <a:buNone/>
-              <a:defRPr sz="1600" b="1"/>
+            <a:lvl6pPr marL="2354351" indent="0">
+              <a:buNone/>
+              <a:defRPr sz="1648" b="1"/>
             </a:lvl6pPr>
-            <a:lvl7pPr marL="2743200" indent="0">
-              <a:buNone/>
-              <a:defRPr sz="1600" b="1"/>
+            <a:lvl7pPr marL="2825222" indent="0">
+              <a:buNone/>
+              <a:defRPr sz="1648" b="1"/>
             </a:lvl7pPr>
-            <a:lvl8pPr marL="3200400" indent="0">
-              <a:buNone/>
-              <a:defRPr sz="1600" b="1"/>
+            <a:lvl8pPr marL="3296092" indent="0">
+              <a:buNone/>
+              <a:defRPr sz="1648" b="1"/>
             </a:lvl8pPr>
-            <a:lvl9pPr marL="3657600" indent="0">
-              <a:buNone/>
-              <a:defRPr sz="1600" b="1"/>
+            <a:lvl9pPr marL="3766962" indent="0">
+              <a:buNone/>
+              <a:defRPr sz="1648" b="1"/>
             </a:lvl9pPr>
           </a:lstStyle>
           <a:p>
@@ -1599,13 +1414,7 @@
       </p:sp>
       <p:sp>
         <p:nvSpPr>
-          <p:cNvPr id="4" name="Content Placeholder 3">
-            <a:extLst>
-              <a:ext uri="{FF2B5EF4-FFF2-40B4-BE49-F238E27FC236}">
-                <a16:creationId xmlns:a16="http://schemas.microsoft.com/office/drawing/2014/main" id="{2CEA4E36-F64C-ED4C-B8C7-15A438318548}"/>
-              </a:ext>
-            </a:extLst>
-          </p:cNvPr>
+          <p:cNvPr id="4" name="Content Placeholder 3"/>
           <p:cNvSpPr>
             <a:spLocks noGrp="1"/>
           </p:cNvSpPr>
@@ -1615,8 +1424,8 @@
         </p:nvSpPr>
         <p:spPr>
           <a:xfrm>
-            <a:off x="839788" y="2505075"/>
-            <a:ext cx="5157787" cy="3684588"/>
+            <a:off x="864938" y="2672080"/>
+            <a:ext cx="5312252" cy="3930227"/>
           </a:xfrm>
         </p:spPr>
         <p:txBody>
@@ -1656,18 +1465,13 @@
               <a:rPr lang="en-US"/>
               <a:t>Fifth level</a:t>
             </a:r>
-          </a:p>
-        </p:txBody>
-      </p:sp>
-      <p:sp>
-        <p:nvSpPr>
-          <p:cNvPr id="5" name="Text Placeholder 4">
-            <a:extLst>
-              <a:ext uri="{FF2B5EF4-FFF2-40B4-BE49-F238E27FC236}">
-                <a16:creationId xmlns:a16="http://schemas.microsoft.com/office/drawing/2014/main" id="{566D22E1-22FA-574D-BD90-700CB1CB4F50}"/>
-              </a:ext>
-            </a:extLst>
-          </p:cNvPr>
+            <a:endParaRPr lang="en-US" dirty="0"/>
+          </a:p>
+        </p:txBody>
+      </p:sp>
+      <p:sp>
+        <p:nvSpPr>
+          <p:cNvPr id="5" name="Text Placeholder 4"/>
           <p:cNvSpPr>
             <a:spLocks noGrp="1"/>
           </p:cNvSpPr>
@@ -1677,8 +1481,8 @@
         </p:nvSpPr>
         <p:spPr>
           <a:xfrm>
-            <a:off x="6172200" y="1681163"/>
-            <a:ext cx="5183188" cy="823912"/>
+            <a:off x="6357044" y="1793241"/>
+            <a:ext cx="5338414" cy="878839"/>
           </a:xfrm>
         </p:spPr>
         <p:txBody>
@@ -1686,39 +1490,39 @@
           <a:lstStyle>
             <a:lvl1pPr marL="0" indent="0">
               <a:buNone/>
-              <a:defRPr sz="2400" b="1"/>
+              <a:defRPr sz="2472" b="1"/>
             </a:lvl1pPr>
-            <a:lvl2pPr marL="457200" indent="0">
-              <a:buNone/>
-              <a:defRPr sz="2000" b="1"/>
+            <a:lvl2pPr marL="470870" indent="0">
+              <a:buNone/>
+              <a:defRPr sz="2060" b="1"/>
             </a:lvl2pPr>
-            <a:lvl3pPr marL="914400" indent="0">
-              <a:buNone/>
-              <a:defRPr sz="1800" b="1"/>
+            <a:lvl3pPr marL="941741" indent="0">
+              <a:buNone/>
+              <a:defRPr sz="1854" b="1"/>
             </a:lvl3pPr>
-            <a:lvl4pPr marL="1371600" indent="0">
-              <a:buNone/>
-              <a:defRPr sz="1600" b="1"/>
+            <a:lvl4pPr marL="1412611" indent="0">
+              <a:buNone/>
+              <a:defRPr sz="1648" b="1"/>
             </a:lvl4pPr>
-            <a:lvl5pPr marL="1828800" indent="0">
-              <a:buNone/>
-              <a:defRPr sz="1600" b="1"/>
+            <a:lvl5pPr marL="1883481" indent="0">
+              <a:buNone/>
+              <a:defRPr sz="1648" b="1"/>
             </a:lvl5pPr>
-            <a:lvl6pPr marL="2286000" indent="0">
-              <a:buNone/>
-              <a:defRPr sz="1600" b="1"/>
+            <a:lvl6pPr marL="2354351" indent="0">
+              <a:buNone/>
+              <a:defRPr sz="1648" b="1"/>
             </a:lvl6pPr>
-            <a:lvl7pPr marL="2743200" indent="0">
-              <a:buNone/>
-              <a:defRPr sz="1600" b="1"/>
+            <a:lvl7pPr marL="2825222" indent="0">
+              <a:buNone/>
+              <a:defRPr sz="1648" b="1"/>
             </a:lvl7pPr>
-            <a:lvl8pPr marL="3200400" indent="0">
-              <a:buNone/>
-              <a:defRPr sz="1600" b="1"/>
+            <a:lvl8pPr marL="3296092" indent="0">
+              <a:buNone/>
+              <a:defRPr sz="1648" b="1"/>
             </a:lvl8pPr>
-            <a:lvl9pPr marL="3657600" indent="0">
-              <a:buNone/>
-              <a:defRPr sz="1600" b="1"/>
+            <a:lvl9pPr marL="3766962" indent="0">
+              <a:buNone/>
+              <a:defRPr sz="1648" b="1"/>
             </a:lvl9pPr>
           </a:lstStyle>
           <a:p>
@@ -1732,13 +1536,7 @@
       </p:sp>
       <p:sp>
         <p:nvSpPr>
-          <p:cNvPr id="6" name="Content Placeholder 5">
-            <a:extLst>
-              <a:ext uri="{FF2B5EF4-FFF2-40B4-BE49-F238E27FC236}">
-                <a16:creationId xmlns:a16="http://schemas.microsoft.com/office/drawing/2014/main" id="{C2304359-F859-9547-B3CD-BAFA14D59B60}"/>
-              </a:ext>
-            </a:extLst>
-          </p:cNvPr>
+          <p:cNvPr id="6" name="Content Placeholder 5"/>
           <p:cNvSpPr>
             <a:spLocks noGrp="1"/>
           </p:cNvSpPr>
@@ -1748,8 +1546,8 @@
         </p:nvSpPr>
         <p:spPr>
           <a:xfrm>
-            <a:off x="6172200" y="2505075"/>
-            <a:ext cx="5183188" cy="3684588"/>
+            <a:off x="6357044" y="2672080"/>
+            <a:ext cx="5338414" cy="3930227"/>
           </a:xfrm>
         </p:spPr>
         <p:txBody>
@@ -1789,18 +1587,13 @@
               <a:rPr lang="en-US"/>
               <a:t>Fifth level</a:t>
             </a:r>
-          </a:p>
-        </p:txBody>
-      </p:sp>
-      <p:sp>
-        <p:nvSpPr>
-          <p:cNvPr id="7" name="Date Placeholder 6">
-            <a:extLst>
-              <a:ext uri="{FF2B5EF4-FFF2-40B4-BE49-F238E27FC236}">
-                <a16:creationId xmlns:a16="http://schemas.microsoft.com/office/drawing/2014/main" id="{4306ECF5-44CF-8A46-BD46-E6208EF3D6C0}"/>
-              </a:ext>
-            </a:extLst>
-          </p:cNvPr>
+            <a:endParaRPr lang="en-US" dirty="0"/>
+          </a:p>
+        </p:txBody>
+      </p:sp>
+      <p:sp>
+        <p:nvSpPr>
+          <p:cNvPr id="7" name="Date Placeholder 6"/>
           <p:cNvSpPr>
             <a:spLocks noGrp="1"/>
           </p:cNvSpPr>
@@ -1823,13 +1616,7 @@
       </p:sp>
       <p:sp>
         <p:nvSpPr>
-          <p:cNvPr id="8" name="Footer Placeholder 7">
-            <a:extLst>
-              <a:ext uri="{FF2B5EF4-FFF2-40B4-BE49-F238E27FC236}">
-                <a16:creationId xmlns:a16="http://schemas.microsoft.com/office/drawing/2014/main" id="{5B5EE5BA-6836-C247-8F5E-F546E9F167D4}"/>
-              </a:ext>
-            </a:extLst>
-          </p:cNvPr>
+          <p:cNvPr id="8" name="Footer Placeholder 7"/>
           <p:cNvSpPr>
             <a:spLocks noGrp="1"/>
           </p:cNvSpPr>
@@ -1848,13 +1635,7 @@
       </p:sp>
       <p:sp>
         <p:nvSpPr>
-          <p:cNvPr id="9" name="Slide Number Placeholder 8">
-            <a:extLst>
-              <a:ext uri="{FF2B5EF4-FFF2-40B4-BE49-F238E27FC236}">
-                <a16:creationId xmlns:a16="http://schemas.microsoft.com/office/drawing/2014/main" id="{FC041239-E381-9F45-B6B1-B6D2EDC5499E}"/>
-              </a:ext>
-            </a:extLst>
-          </p:cNvPr>
+          <p:cNvPr id="9" name="Slide Number Placeholder 8"/>
           <p:cNvSpPr>
             <a:spLocks noGrp="1"/>
           </p:cNvSpPr>
@@ -1878,7 +1659,7 @@
     </p:spTree>
     <p:extLst>
       <p:ext uri="{BB962C8B-B14F-4D97-AF65-F5344CB8AC3E}">
-        <p14:creationId xmlns:p14="http://schemas.microsoft.com/office/powerpoint/2010/main" val="626157721"/>
+        <p14:creationId xmlns:p14="http://schemas.microsoft.com/office/powerpoint/2010/main" val="1214962827"/>
       </p:ext>
     </p:extLst>
   </p:cSld>
@@ -1907,13 +1688,7 @@
       </p:grpSpPr>
       <p:sp>
         <p:nvSpPr>
-          <p:cNvPr id="2" name="Title 1">
-            <a:extLst>
-              <a:ext uri="{FF2B5EF4-FFF2-40B4-BE49-F238E27FC236}">
-                <a16:creationId xmlns:a16="http://schemas.microsoft.com/office/drawing/2014/main" id="{DC9D9631-44D0-BE4B-B907-00E13901F1A5}"/>
-              </a:ext>
-            </a:extLst>
-          </p:cNvPr>
+          <p:cNvPr id="2" name="Title 1"/>
           <p:cNvSpPr>
             <a:spLocks noGrp="1"/>
           </p:cNvSpPr>
@@ -1930,18 +1705,13 @@
               <a:rPr lang="en-US"/>
               <a:t>Click to edit Master title style</a:t>
             </a:r>
-          </a:p>
-        </p:txBody>
-      </p:sp>
-      <p:sp>
-        <p:nvSpPr>
-          <p:cNvPr id="3" name="Date Placeholder 2">
-            <a:extLst>
-              <a:ext uri="{FF2B5EF4-FFF2-40B4-BE49-F238E27FC236}">
-                <a16:creationId xmlns:a16="http://schemas.microsoft.com/office/drawing/2014/main" id="{72C2499D-D1C4-004E-80C6-BD65E2E72B4B}"/>
-              </a:ext>
-            </a:extLst>
-          </p:cNvPr>
+            <a:endParaRPr lang="en-US" dirty="0"/>
+          </a:p>
+        </p:txBody>
+      </p:sp>
+      <p:sp>
+        <p:nvSpPr>
+          <p:cNvPr id="3" name="Date Placeholder 2"/>
           <p:cNvSpPr>
             <a:spLocks noGrp="1"/>
           </p:cNvSpPr>
@@ -1964,13 +1734,7 @@
       </p:sp>
       <p:sp>
         <p:nvSpPr>
-          <p:cNvPr id="4" name="Footer Placeholder 3">
-            <a:extLst>
-              <a:ext uri="{FF2B5EF4-FFF2-40B4-BE49-F238E27FC236}">
-                <a16:creationId xmlns:a16="http://schemas.microsoft.com/office/drawing/2014/main" id="{D32201D2-6C3C-124D-BED7-1B989EABD683}"/>
-              </a:ext>
-            </a:extLst>
-          </p:cNvPr>
+          <p:cNvPr id="4" name="Footer Placeholder 3"/>
           <p:cNvSpPr>
             <a:spLocks noGrp="1"/>
           </p:cNvSpPr>
@@ -1989,13 +1753,7 @@
       </p:sp>
       <p:sp>
         <p:nvSpPr>
-          <p:cNvPr id="5" name="Slide Number Placeholder 4">
-            <a:extLst>
-              <a:ext uri="{FF2B5EF4-FFF2-40B4-BE49-F238E27FC236}">
-                <a16:creationId xmlns:a16="http://schemas.microsoft.com/office/drawing/2014/main" id="{9232A718-D6E8-FA4B-9D99-E27939C13F04}"/>
-              </a:ext>
-            </a:extLst>
-          </p:cNvPr>
+          <p:cNvPr id="5" name="Slide Number Placeholder 4"/>
           <p:cNvSpPr>
             <a:spLocks noGrp="1"/>
           </p:cNvSpPr>
@@ -2019,7 +1777,7 @@
     </p:spTree>
     <p:extLst>
       <p:ext uri="{BB962C8B-B14F-4D97-AF65-F5344CB8AC3E}">
-        <p14:creationId xmlns:p14="http://schemas.microsoft.com/office/powerpoint/2010/main" val="3357425095"/>
+        <p14:creationId xmlns:p14="http://schemas.microsoft.com/office/powerpoint/2010/main" val="1724434295"/>
       </p:ext>
     </p:extLst>
   </p:cSld>
@@ -2048,13 +1806,7 @@
       </p:grpSpPr>
       <p:sp>
         <p:nvSpPr>
-          <p:cNvPr id="2" name="Date Placeholder 1">
-            <a:extLst>
-              <a:ext uri="{FF2B5EF4-FFF2-40B4-BE49-F238E27FC236}">
-                <a16:creationId xmlns:a16="http://schemas.microsoft.com/office/drawing/2014/main" id="{2EF171BE-5810-7A47-BD92-C1B0DF45C8C4}"/>
-              </a:ext>
-            </a:extLst>
-          </p:cNvPr>
+          <p:cNvPr id="2" name="Date Placeholder 1"/>
           <p:cNvSpPr>
             <a:spLocks noGrp="1"/>
           </p:cNvSpPr>
@@ -2077,13 +1829,7 @@
       </p:sp>
       <p:sp>
         <p:nvSpPr>
-          <p:cNvPr id="3" name="Footer Placeholder 2">
-            <a:extLst>
-              <a:ext uri="{FF2B5EF4-FFF2-40B4-BE49-F238E27FC236}">
-                <a16:creationId xmlns:a16="http://schemas.microsoft.com/office/drawing/2014/main" id="{14EDEE6A-C9BD-EF4D-AA78-589B7481E161}"/>
-              </a:ext>
-            </a:extLst>
-          </p:cNvPr>
+          <p:cNvPr id="3" name="Footer Placeholder 2"/>
           <p:cNvSpPr>
             <a:spLocks noGrp="1"/>
           </p:cNvSpPr>
@@ -2102,13 +1848,7 @@
       </p:sp>
       <p:sp>
         <p:nvSpPr>
-          <p:cNvPr id="4" name="Slide Number Placeholder 3">
-            <a:extLst>
-              <a:ext uri="{FF2B5EF4-FFF2-40B4-BE49-F238E27FC236}">
-                <a16:creationId xmlns:a16="http://schemas.microsoft.com/office/drawing/2014/main" id="{636FAF87-97A6-A34F-9DEB-BD8D4A7808AE}"/>
-              </a:ext>
-            </a:extLst>
-          </p:cNvPr>
+          <p:cNvPr id="4" name="Slide Number Placeholder 3"/>
           <p:cNvSpPr>
             <a:spLocks noGrp="1"/>
           </p:cNvSpPr>
@@ -2132,7 +1872,7 @@
     </p:spTree>
     <p:extLst>
       <p:ext uri="{BB962C8B-B14F-4D97-AF65-F5344CB8AC3E}">
-        <p14:creationId xmlns:p14="http://schemas.microsoft.com/office/powerpoint/2010/main" val="1022284146"/>
+        <p14:creationId xmlns:p14="http://schemas.microsoft.com/office/powerpoint/2010/main" val="3423384031"/>
       </p:ext>
     </p:extLst>
   </p:cSld>
@@ -2161,13 +1901,7 @@
       </p:grpSpPr>
       <p:sp>
         <p:nvSpPr>
-          <p:cNvPr id="2" name="Title 1">
-            <a:extLst>
-              <a:ext uri="{FF2B5EF4-FFF2-40B4-BE49-F238E27FC236}">
-                <a16:creationId xmlns:a16="http://schemas.microsoft.com/office/drawing/2014/main" id="{DC911AC7-9312-B346-A8CB-A3E56516DA1C}"/>
-              </a:ext>
-            </a:extLst>
-          </p:cNvPr>
+          <p:cNvPr id="2" name="Title 1"/>
           <p:cNvSpPr>
             <a:spLocks noGrp="1"/>
           </p:cNvSpPr>
@@ -2177,15 +1911,15 @@
         </p:nvSpPr>
         <p:spPr>
           <a:xfrm>
-            <a:off x="839788" y="457200"/>
-            <a:ext cx="3932237" cy="1600200"/>
+            <a:off x="864939" y="487680"/>
+            <a:ext cx="4049999" cy="1706880"/>
           </a:xfrm>
         </p:spPr>
         <p:txBody>
           <a:bodyPr anchor="b"/>
           <a:lstStyle>
             <a:lvl1pPr>
-              <a:defRPr sz="3200"/>
+              <a:defRPr sz="3296"/>
             </a:lvl1pPr>
           </a:lstStyle>
           <a:p>
@@ -2193,18 +1927,13 @@
               <a:rPr lang="en-US"/>
               <a:t>Click to edit Master title style</a:t>
             </a:r>
-          </a:p>
-        </p:txBody>
-      </p:sp>
-      <p:sp>
-        <p:nvSpPr>
-          <p:cNvPr id="3" name="Content Placeholder 2">
-            <a:extLst>
-              <a:ext uri="{FF2B5EF4-FFF2-40B4-BE49-F238E27FC236}">
-                <a16:creationId xmlns:a16="http://schemas.microsoft.com/office/drawing/2014/main" id="{9A5DE193-6E93-2745-B19E-E5CF983AF614}"/>
-              </a:ext>
-            </a:extLst>
-          </p:cNvPr>
+            <a:endParaRPr lang="en-US" dirty="0"/>
+          </a:p>
+        </p:txBody>
+      </p:sp>
+      <p:sp>
+        <p:nvSpPr>
+          <p:cNvPr id="3" name="Content Placeholder 2"/>
           <p:cNvSpPr>
             <a:spLocks noGrp="1"/>
           </p:cNvSpPr>
@@ -2214,39 +1943,39 @@
         </p:nvSpPr>
         <p:spPr>
           <a:xfrm>
-            <a:off x="5183188" y="987425"/>
-            <a:ext cx="6172200" cy="4873625"/>
+            <a:off x="5338413" y="1053254"/>
+            <a:ext cx="6357045" cy="5198533"/>
           </a:xfrm>
         </p:spPr>
         <p:txBody>
           <a:bodyPr/>
           <a:lstStyle>
             <a:lvl1pPr>
-              <a:defRPr sz="3200"/>
+              <a:defRPr sz="3296"/>
             </a:lvl1pPr>
             <a:lvl2pPr>
-              <a:defRPr sz="2800"/>
+              <a:defRPr sz="2884"/>
             </a:lvl2pPr>
             <a:lvl3pPr>
-              <a:defRPr sz="2400"/>
+              <a:defRPr sz="2472"/>
             </a:lvl3pPr>
             <a:lvl4pPr>
-              <a:defRPr sz="2000"/>
+              <a:defRPr sz="2060"/>
             </a:lvl4pPr>
             <a:lvl5pPr>
-              <a:defRPr sz="2000"/>
+              <a:defRPr sz="2060"/>
             </a:lvl5pPr>
             <a:lvl6pPr>
-              <a:defRPr sz="2000"/>
+              <a:defRPr sz="2060"/>
             </a:lvl6pPr>
             <a:lvl7pPr>
-              <a:defRPr sz="2000"/>
+              <a:defRPr sz="2060"/>
             </a:lvl7pPr>
             <a:lvl8pPr>
-              <a:defRPr sz="2000"/>
+              <a:defRPr sz="2060"/>
             </a:lvl8pPr>
             <a:lvl9pPr>
-              <a:defRPr sz="2000"/>
+              <a:defRPr sz="2060"/>
             </a:lvl9pPr>
           </a:lstStyle>
           <a:p>
@@ -2283,18 +2012,13 @@
               <a:rPr lang="en-US"/>
               <a:t>Fifth level</a:t>
             </a:r>
-          </a:p>
-        </p:txBody>
-      </p:sp>
-      <p:sp>
-        <p:nvSpPr>
-          <p:cNvPr id="4" name="Text Placeholder 3">
-            <a:extLst>
-              <a:ext uri="{FF2B5EF4-FFF2-40B4-BE49-F238E27FC236}">
-                <a16:creationId xmlns:a16="http://schemas.microsoft.com/office/drawing/2014/main" id="{AFDA4AC7-18A6-DA42-BC88-7829F7A9099B}"/>
-              </a:ext>
-            </a:extLst>
-          </p:cNvPr>
+            <a:endParaRPr lang="en-US" dirty="0"/>
+          </a:p>
+        </p:txBody>
+      </p:sp>
+      <p:sp>
+        <p:nvSpPr>
+          <p:cNvPr id="4" name="Text Placeholder 3"/>
           <p:cNvSpPr>
             <a:spLocks noGrp="1"/>
           </p:cNvSpPr>
@@ -2304,8 +2028,8 @@
         </p:nvSpPr>
         <p:spPr>
           <a:xfrm>
-            <a:off x="839788" y="2057400"/>
-            <a:ext cx="3932237" cy="3811588"/>
+            <a:off x="864939" y="2194560"/>
+            <a:ext cx="4049999" cy="4065694"/>
           </a:xfrm>
         </p:spPr>
         <p:txBody>
@@ -2313,39 +2037,39 @@
           <a:lstStyle>
             <a:lvl1pPr marL="0" indent="0">
               <a:buNone/>
-              <a:defRPr sz="1600"/>
+              <a:defRPr sz="1648"/>
             </a:lvl1pPr>
-            <a:lvl2pPr marL="457200" indent="0">
-              <a:buNone/>
-              <a:defRPr sz="1400"/>
+            <a:lvl2pPr marL="470870" indent="0">
+              <a:buNone/>
+              <a:defRPr sz="1442"/>
             </a:lvl2pPr>
-            <a:lvl3pPr marL="914400" indent="0">
-              <a:buNone/>
-              <a:defRPr sz="1200"/>
+            <a:lvl3pPr marL="941741" indent="0">
+              <a:buNone/>
+              <a:defRPr sz="1236"/>
             </a:lvl3pPr>
-            <a:lvl4pPr marL="1371600" indent="0">
-              <a:buNone/>
-              <a:defRPr sz="1000"/>
+            <a:lvl4pPr marL="1412611" indent="0">
+              <a:buNone/>
+              <a:defRPr sz="1030"/>
             </a:lvl4pPr>
-            <a:lvl5pPr marL="1828800" indent="0">
-              <a:buNone/>
-              <a:defRPr sz="1000"/>
+            <a:lvl5pPr marL="1883481" indent="0">
+              <a:buNone/>
+              <a:defRPr sz="1030"/>
             </a:lvl5pPr>
-            <a:lvl6pPr marL="2286000" indent="0">
-              <a:buNone/>
-              <a:defRPr sz="1000"/>
+            <a:lvl6pPr marL="2354351" indent="0">
+              <a:buNone/>
+              <a:defRPr sz="1030"/>
             </a:lvl6pPr>
-            <a:lvl7pPr marL="2743200" indent="0">
-              <a:buNone/>
-              <a:defRPr sz="1000"/>
+            <a:lvl7pPr marL="2825222" indent="0">
+              <a:buNone/>
+              <a:defRPr sz="1030"/>
             </a:lvl7pPr>
-            <a:lvl8pPr marL="3200400" indent="0">
-              <a:buNone/>
-              <a:defRPr sz="1000"/>
+            <a:lvl8pPr marL="3296092" indent="0">
+              <a:buNone/>
+              <a:defRPr sz="1030"/>
             </a:lvl8pPr>
-            <a:lvl9pPr marL="3657600" indent="0">
-              <a:buNone/>
-              <a:defRPr sz="1000"/>
+            <a:lvl9pPr marL="3766962" indent="0">
+              <a:buNone/>
+              <a:defRPr sz="1030"/>
             </a:lvl9pPr>
           </a:lstStyle>
           <a:p>
@@ -2359,13 +2083,7 @@
       </p:sp>
       <p:sp>
         <p:nvSpPr>
-          <p:cNvPr id="5" name="Date Placeholder 4">
-            <a:extLst>
-              <a:ext uri="{FF2B5EF4-FFF2-40B4-BE49-F238E27FC236}">
-                <a16:creationId xmlns:a16="http://schemas.microsoft.com/office/drawing/2014/main" id="{1108E0F4-C83C-9940-ACE2-A293F5B8D10E}"/>
-              </a:ext>
-            </a:extLst>
-          </p:cNvPr>
+          <p:cNvPr id="5" name="Date Placeholder 4"/>
           <p:cNvSpPr>
             <a:spLocks noGrp="1"/>
           </p:cNvSpPr>
@@ -2388,13 +2106,7 @@
       </p:sp>
       <p:sp>
         <p:nvSpPr>
-          <p:cNvPr id="6" name="Footer Placeholder 5">
-            <a:extLst>
-              <a:ext uri="{FF2B5EF4-FFF2-40B4-BE49-F238E27FC236}">
-                <a16:creationId xmlns:a16="http://schemas.microsoft.com/office/drawing/2014/main" id="{AE8428CB-1DBD-5249-B186-68ADE673BDE0}"/>
-              </a:ext>
-            </a:extLst>
-          </p:cNvPr>
+          <p:cNvPr id="6" name="Footer Placeholder 5"/>
           <p:cNvSpPr>
             <a:spLocks noGrp="1"/>
           </p:cNvSpPr>
@@ -2413,13 +2125,7 @@
       </p:sp>
       <p:sp>
         <p:nvSpPr>
-          <p:cNvPr id="7" name="Slide Number Placeholder 6">
-            <a:extLst>
-              <a:ext uri="{FF2B5EF4-FFF2-40B4-BE49-F238E27FC236}">
-                <a16:creationId xmlns:a16="http://schemas.microsoft.com/office/drawing/2014/main" id="{77029FEA-844D-4A40-ABE5-7C1B76934AC8}"/>
-              </a:ext>
-            </a:extLst>
-          </p:cNvPr>
+          <p:cNvPr id="7" name="Slide Number Placeholder 6"/>
           <p:cNvSpPr>
             <a:spLocks noGrp="1"/>
           </p:cNvSpPr>
@@ -2443,7 +2149,7 @@
     </p:spTree>
     <p:extLst>
       <p:ext uri="{BB962C8B-B14F-4D97-AF65-F5344CB8AC3E}">
-        <p14:creationId xmlns:p14="http://schemas.microsoft.com/office/powerpoint/2010/main" val="2796986866"/>
+        <p14:creationId xmlns:p14="http://schemas.microsoft.com/office/powerpoint/2010/main" val="753825152"/>
       </p:ext>
     </p:extLst>
   </p:cSld>
@@ -2472,13 +2178,7 @@
       </p:grpSpPr>
       <p:sp>
         <p:nvSpPr>
-          <p:cNvPr id="2" name="Title 1">
-            <a:extLst>
-              <a:ext uri="{FF2B5EF4-FFF2-40B4-BE49-F238E27FC236}">
-                <a16:creationId xmlns:a16="http://schemas.microsoft.com/office/drawing/2014/main" id="{E36A03E3-D740-ED49-889C-0336A904ADE0}"/>
-              </a:ext>
-            </a:extLst>
-          </p:cNvPr>
+          <p:cNvPr id="2" name="Title 1"/>
           <p:cNvSpPr>
             <a:spLocks noGrp="1"/>
           </p:cNvSpPr>
@@ -2488,15 +2188,15 @@
         </p:nvSpPr>
         <p:spPr>
           <a:xfrm>
-            <a:off x="839788" y="457200"/>
-            <a:ext cx="3932237" cy="1600200"/>
+            <a:off x="864939" y="487680"/>
+            <a:ext cx="4049999" cy="1706880"/>
           </a:xfrm>
         </p:spPr>
         <p:txBody>
           <a:bodyPr anchor="b"/>
           <a:lstStyle>
             <a:lvl1pPr>
-              <a:defRPr sz="3200"/>
+              <a:defRPr sz="3296"/>
             </a:lvl1pPr>
           </a:lstStyle>
           <a:p>
@@ -2504,20 +2204,15 @@
               <a:rPr lang="en-US"/>
               <a:t>Click to edit Master title style</a:t>
             </a:r>
-          </a:p>
-        </p:txBody>
-      </p:sp>
-      <p:sp>
-        <p:nvSpPr>
-          <p:cNvPr id="3" name="Picture Placeholder 2">
-            <a:extLst>
-              <a:ext uri="{FF2B5EF4-FFF2-40B4-BE49-F238E27FC236}">
-                <a16:creationId xmlns:a16="http://schemas.microsoft.com/office/drawing/2014/main" id="{5D2E40F6-D9DA-1840-837F-26AE73B69C5F}"/>
-              </a:ext>
-            </a:extLst>
-          </p:cNvPr>
-          <p:cNvSpPr>
-            <a:spLocks noGrp="1"/>
+            <a:endParaRPr lang="en-US" dirty="0"/>
+          </a:p>
+        </p:txBody>
+      </p:sp>
+      <p:sp>
+        <p:nvSpPr>
+          <p:cNvPr id="3" name="Picture Placeholder 2"/>
+          <p:cNvSpPr>
+            <a:spLocks noGrp="1" noChangeAspect="1"/>
           </p:cNvSpPr>
           <p:nvPr>
             <p:ph type="pic" idx="1"/>
@@ -2525,64 +2220,62 @@
         </p:nvSpPr>
         <p:spPr>
           <a:xfrm>
-            <a:off x="5183188" y="987425"/>
-            <a:ext cx="6172200" cy="4873625"/>
+            <a:off x="5338413" y="1053254"/>
+            <a:ext cx="6357045" cy="5198533"/>
           </a:xfrm>
         </p:spPr>
         <p:txBody>
-          <a:bodyPr/>
+          <a:bodyPr anchor="t"/>
           <a:lstStyle>
             <a:lvl1pPr marL="0" indent="0">
               <a:buNone/>
-              <a:defRPr sz="3200"/>
+              <a:defRPr sz="3296"/>
             </a:lvl1pPr>
-            <a:lvl2pPr marL="457200" indent="0">
-              <a:buNone/>
-              <a:defRPr sz="2800"/>
+            <a:lvl2pPr marL="470870" indent="0">
+              <a:buNone/>
+              <a:defRPr sz="2884"/>
             </a:lvl2pPr>
-            <a:lvl3pPr marL="914400" indent="0">
-              <a:buNone/>
-              <a:defRPr sz="2400"/>
+            <a:lvl3pPr marL="941741" indent="0">
+              <a:buNone/>
+              <a:defRPr sz="2472"/>
             </a:lvl3pPr>
-            <a:lvl4pPr marL="1371600" indent="0">
-              <a:buNone/>
-              <a:defRPr sz="2000"/>
+            <a:lvl4pPr marL="1412611" indent="0">
+              <a:buNone/>
+              <a:defRPr sz="2060"/>
             </a:lvl4pPr>
-            <a:lvl5pPr marL="1828800" indent="0">
-              <a:buNone/>
-              <a:defRPr sz="2000"/>
+            <a:lvl5pPr marL="1883481" indent="0">
+              <a:buNone/>
+              <a:defRPr sz="2060"/>
             </a:lvl5pPr>
-            <a:lvl6pPr marL="2286000" indent="0">
-              <a:buNone/>
-              <a:defRPr sz="2000"/>
+            <a:lvl6pPr marL="2354351" indent="0">
+              <a:buNone/>
+              <a:defRPr sz="2060"/>
             </a:lvl6pPr>
-            <a:lvl7pPr marL="2743200" indent="0">
-              <a:buNone/>
-              <a:defRPr sz="2000"/>
+            <a:lvl7pPr marL="2825222" indent="0">
+              <a:buNone/>
+              <a:defRPr sz="2060"/>
             </a:lvl7pPr>
-            <a:lvl8pPr marL="3200400" indent="0">
-              <a:buNone/>
-              <a:defRPr sz="2000"/>
+            <a:lvl8pPr marL="3296092" indent="0">
+              <a:buNone/>
+              <a:defRPr sz="2060"/>
             </a:lvl8pPr>
-            <a:lvl9pPr marL="3657600" indent="0">
-              <a:buNone/>
-              <a:defRPr sz="2000"/>
+            <a:lvl9pPr marL="3766962" indent="0">
+              <a:buNone/>
+              <a:defRPr sz="2060"/>
             </a:lvl9pPr>
           </a:lstStyle>
           <a:p>
-            <a:endParaRPr lang="en-US"/>
-          </a:p>
-        </p:txBody>
-      </p:sp>
-      <p:sp>
-        <p:nvSpPr>
-          <p:cNvPr id="4" name="Text Placeholder 3">
-            <a:extLst>
-              <a:ext uri="{FF2B5EF4-FFF2-40B4-BE49-F238E27FC236}">
-                <a16:creationId xmlns:a16="http://schemas.microsoft.com/office/drawing/2014/main" id="{8D94D261-E9D9-3744-B32D-8B73120151E0}"/>
-              </a:ext>
-            </a:extLst>
-          </p:cNvPr>
+            <a:r>
+              <a:rPr lang="en-US"/>
+              <a:t>Click icon to add picture</a:t>
+            </a:r>
+            <a:endParaRPr lang="en-US" dirty="0"/>
+          </a:p>
+        </p:txBody>
+      </p:sp>
+      <p:sp>
+        <p:nvSpPr>
+          <p:cNvPr id="4" name="Text Placeholder 3"/>
           <p:cNvSpPr>
             <a:spLocks noGrp="1"/>
           </p:cNvSpPr>
@@ -2592,8 +2285,8 @@
         </p:nvSpPr>
         <p:spPr>
           <a:xfrm>
-            <a:off x="839788" y="2057400"/>
-            <a:ext cx="3932237" cy="3811588"/>
+            <a:off x="864939" y="2194560"/>
+            <a:ext cx="4049999" cy="4065694"/>
           </a:xfrm>
         </p:spPr>
         <p:txBody>
@@ -2601,39 +2294,39 @@
           <a:lstStyle>
             <a:lvl1pPr marL="0" indent="0">
               <a:buNone/>
-              <a:defRPr sz="1600"/>
+              <a:defRPr sz="1648"/>
             </a:lvl1pPr>
-            <a:lvl2pPr marL="457200" indent="0">
-              <a:buNone/>
-              <a:defRPr sz="1400"/>
+            <a:lvl2pPr marL="470870" indent="0">
+              <a:buNone/>
+              <a:defRPr sz="1442"/>
             </a:lvl2pPr>
-            <a:lvl3pPr marL="914400" indent="0">
-              <a:buNone/>
-              <a:defRPr sz="1200"/>
+            <a:lvl3pPr marL="941741" indent="0">
+              <a:buNone/>
+              <a:defRPr sz="1236"/>
             </a:lvl3pPr>
-            <a:lvl4pPr marL="1371600" indent="0">
-              <a:buNone/>
-              <a:defRPr sz="1000"/>
+            <a:lvl4pPr marL="1412611" indent="0">
+              <a:buNone/>
+              <a:defRPr sz="1030"/>
             </a:lvl4pPr>
-            <a:lvl5pPr marL="1828800" indent="0">
-              <a:buNone/>
-              <a:defRPr sz="1000"/>
+            <a:lvl5pPr marL="1883481" indent="0">
+              <a:buNone/>
+              <a:defRPr sz="1030"/>
             </a:lvl5pPr>
-            <a:lvl6pPr marL="2286000" indent="0">
-              <a:buNone/>
-              <a:defRPr sz="1000"/>
+            <a:lvl6pPr marL="2354351" indent="0">
+              <a:buNone/>
+              <a:defRPr sz="1030"/>
             </a:lvl6pPr>
-            <a:lvl7pPr marL="2743200" indent="0">
-              <a:buNone/>
-              <a:defRPr sz="1000"/>
+            <a:lvl7pPr marL="2825222" indent="0">
+              <a:buNone/>
+              <a:defRPr sz="1030"/>
             </a:lvl7pPr>
-            <a:lvl8pPr marL="3200400" indent="0">
-              <a:buNone/>
-              <a:defRPr sz="1000"/>
+            <a:lvl8pPr marL="3296092" indent="0">
+              <a:buNone/>
+              <a:defRPr sz="1030"/>
             </a:lvl8pPr>
-            <a:lvl9pPr marL="3657600" indent="0">
-              <a:buNone/>
-              <a:defRPr sz="1000"/>
+            <a:lvl9pPr marL="3766962" indent="0">
+              <a:buNone/>
+              <a:defRPr sz="1030"/>
             </a:lvl9pPr>
           </a:lstStyle>
           <a:p>
@@ -2647,13 +2340,7 @@
       </p:sp>
       <p:sp>
         <p:nvSpPr>
-          <p:cNvPr id="5" name="Date Placeholder 4">
-            <a:extLst>
-              <a:ext uri="{FF2B5EF4-FFF2-40B4-BE49-F238E27FC236}">
-                <a16:creationId xmlns:a16="http://schemas.microsoft.com/office/drawing/2014/main" id="{2C9BB9EE-9BE6-F546-885A-48632C2DCB90}"/>
-              </a:ext>
-            </a:extLst>
-          </p:cNvPr>
+          <p:cNvPr id="5" name="Date Placeholder 4"/>
           <p:cNvSpPr>
             <a:spLocks noGrp="1"/>
           </p:cNvSpPr>
@@ -2676,13 +2363,7 @@
       </p:sp>
       <p:sp>
         <p:nvSpPr>
-          <p:cNvPr id="6" name="Footer Placeholder 5">
-            <a:extLst>
-              <a:ext uri="{FF2B5EF4-FFF2-40B4-BE49-F238E27FC236}">
-                <a16:creationId xmlns:a16="http://schemas.microsoft.com/office/drawing/2014/main" id="{90999C1B-F76A-9C4E-BDC9-048873390979}"/>
-              </a:ext>
-            </a:extLst>
-          </p:cNvPr>
+          <p:cNvPr id="6" name="Footer Placeholder 5"/>
           <p:cNvSpPr>
             <a:spLocks noGrp="1"/>
           </p:cNvSpPr>
@@ -2701,13 +2382,7 @@
       </p:sp>
       <p:sp>
         <p:nvSpPr>
-          <p:cNvPr id="7" name="Slide Number Placeholder 6">
-            <a:extLst>
-              <a:ext uri="{FF2B5EF4-FFF2-40B4-BE49-F238E27FC236}">
-                <a16:creationId xmlns:a16="http://schemas.microsoft.com/office/drawing/2014/main" id="{8863D6F4-F54A-DE47-9EB6-34E56DEFD568}"/>
-              </a:ext>
-            </a:extLst>
-          </p:cNvPr>
+          <p:cNvPr id="7" name="Slide Number Placeholder 6"/>
           <p:cNvSpPr>
             <a:spLocks noGrp="1"/>
           </p:cNvSpPr>
@@ -2731,7 +2406,7 @@
     </p:spTree>
     <p:extLst>
       <p:ext uri="{BB962C8B-B14F-4D97-AF65-F5344CB8AC3E}">
-        <p14:creationId xmlns:p14="http://schemas.microsoft.com/office/powerpoint/2010/main" val="134688800"/>
+        <p14:creationId xmlns:p14="http://schemas.microsoft.com/office/powerpoint/2010/main" val="2444927745"/>
       </p:ext>
     </p:extLst>
   </p:cSld>
@@ -2765,13 +2440,7 @@
       </p:grpSpPr>
       <p:sp>
         <p:nvSpPr>
-          <p:cNvPr id="2" name="Title Placeholder 1">
-            <a:extLst>
-              <a:ext uri="{FF2B5EF4-FFF2-40B4-BE49-F238E27FC236}">
-                <a16:creationId xmlns:a16="http://schemas.microsoft.com/office/drawing/2014/main" id="{07408C30-6C38-284B-A29B-B6DD38A3F89E}"/>
-              </a:ext>
-            </a:extLst>
-          </p:cNvPr>
+          <p:cNvPr id="2" name="Title Placeholder 1"/>
           <p:cNvSpPr>
             <a:spLocks noGrp="1"/>
           </p:cNvSpPr>
@@ -2781,8 +2450,8 @@
         </p:nvSpPr>
         <p:spPr>
           <a:xfrm>
-            <a:off x="838200" y="365125"/>
-            <a:ext cx="10515600" cy="1325563"/>
+            <a:off x="863303" y="389467"/>
+            <a:ext cx="10830520" cy="1413934"/>
           </a:xfrm>
           <a:prstGeom prst="rect">
             <a:avLst/>
@@ -2798,18 +2467,13 @@
               <a:rPr lang="en-US"/>
               <a:t>Click to edit Master title style</a:t>
             </a:r>
-          </a:p>
-        </p:txBody>
-      </p:sp>
-      <p:sp>
-        <p:nvSpPr>
-          <p:cNvPr id="3" name="Text Placeholder 2">
-            <a:extLst>
-              <a:ext uri="{FF2B5EF4-FFF2-40B4-BE49-F238E27FC236}">
-                <a16:creationId xmlns:a16="http://schemas.microsoft.com/office/drawing/2014/main" id="{5B2E0A6A-EF1F-4445-A5B7-E32E9339D9D9}"/>
-              </a:ext>
-            </a:extLst>
-          </p:cNvPr>
+            <a:endParaRPr lang="en-US" dirty="0"/>
+          </a:p>
+        </p:txBody>
+      </p:sp>
+      <p:sp>
+        <p:nvSpPr>
+          <p:cNvPr id="3" name="Text Placeholder 2"/>
           <p:cNvSpPr>
             <a:spLocks noGrp="1"/>
           </p:cNvSpPr>
@@ -2819,8 +2483,8 @@
         </p:nvSpPr>
         <p:spPr>
           <a:xfrm>
-            <a:off x="838200" y="1825625"/>
-            <a:ext cx="10515600" cy="4351338"/>
+            <a:off x="863303" y="1947333"/>
+            <a:ext cx="10830520" cy="4641427"/>
           </a:xfrm>
           <a:prstGeom prst="rect">
             <a:avLst/>
@@ -2865,18 +2529,13 @@
               <a:rPr lang="en-US"/>
               <a:t>Fifth level</a:t>
             </a:r>
-          </a:p>
-        </p:txBody>
-      </p:sp>
-      <p:sp>
-        <p:nvSpPr>
-          <p:cNvPr id="4" name="Date Placeholder 3">
-            <a:extLst>
-              <a:ext uri="{FF2B5EF4-FFF2-40B4-BE49-F238E27FC236}">
-                <a16:creationId xmlns:a16="http://schemas.microsoft.com/office/drawing/2014/main" id="{FC19CE83-D3C4-EA4D-981A-9613F9FBECD5}"/>
-              </a:ext>
-            </a:extLst>
-          </p:cNvPr>
+            <a:endParaRPr lang="en-US" dirty="0"/>
+          </a:p>
+        </p:txBody>
+      </p:sp>
+      <p:sp>
+        <p:nvSpPr>
+          <p:cNvPr id="4" name="Date Placeholder 3"/>
           <p:cNvSpPr>
             <a:spLocks noGrp="1"/>
           </p:cNvSpPr>
@@ -2886,8 +2545,8 @@
         </p:nvSpPr>
         <p:spPr>
           <a:xfrm>
-            <a:off x="838200" y="6356350"/>
-            <a:ext cx="2743200" cy="365125"/>
+            <a:off x="863302" y="6780107"/>
+            <a:ext cx="2825353" cy="389467"/>
           </a:xfrm>
           <a:prstGeom prst="rect">
             <a:avLst/>
@@ -2897,7 +2556,7 @@
           <a:bodyPr vert="horz" lIns="91440" tIns="45720" rIns="91440" bIns="45720" rtlCol="0" anchor="ctr"/>
           <a:lstStyle>
             <a:lvl1pPr algn="l">
-              <a:defRPr sz="1200">
+              <a:defRPr sz="1236">
                 <a:solidFill>
                   <a:schemeClr val="tx1">
                     <a:tint val="75000"/>
@@ -2917,13 +2576,7 @@
       </p:sp>
       <p:sp>
         <p:nvSpPr>
-          <p:cNvPr id="5" name="Footer Placeholder 4">
-            <a:extLst>
-              <a:ext uri="{FF2B5EF4-FFF2-40B4-BE49-F238E27FC236}">
-                <a16:creationId xmlns:a16="http://schemas.microsoft.com/office/drawing/2014/main" id="{9F7C5693-6086-924E-9BAA-8C5ACE5ABBC4}"/>
-              </a:ext>
-            </a:extLst>
-          </p:cNvPr>
+          <p:cNvPr id="5" name="Footer Placeholder 4"/>
           <p:cNvSpPr>
             <a:spLocks noGrp="1"/>
           </p:cNvSpPr>
@@ -2933,8 +2586,8 @@
         </p:nvSpPr>
         <p:spPr>
           <a:xfrm>
-            <a:off x="4038600" y="6356350"/>
-            <a:ext cx="4114800" cy="365125"/>
+            <a:off x="4159548" y="6780107"/>
+            <a:ext cx="4238030" cy="389467"/>
           </a:xfrm>
           <a:prstGeom prst="rect">
             <a:avLst/>
@@ -2944,7 +2597,7 @@
           <a:bodyPr vert="horz" lIns="91440" tIns="45720" rIns="91440" bIns="45720" rtlCol="0" anchor="ctr"/>
           <a:lstStyle>
             <a:lvl1pPr algn="ctr">
-              <a:defRPr sz="1200">
+              <a:defRPr sz="1236">
                 <a:solidFill>
                   <a:schemeClr val="tx1">
                     <a:tint val="75000"/>
@@ -2960,13 +2613,7 @@
       </p:sp>
       <p:sp>
         <p:nvSpPr>
-          <p:cNvPr id="6" name="Slide Number Placeholder 5">
-            <a:extLst>
-              <a:ext uri="{FF2B5EF4-FFF2-40B4-BE49-F238E27FC236}">
-                <a16:creationId xmlns:a16="http://schemas.microsoft.com/office/drawing/2014/main" id="{D5B23905-C091-FE4D-AD4D-FEF623A3EA18}"/>
-              </a:ext>
-            </a:extLst>
-          </p:cNvPr>
+          <p:cNvPr id="6" name="Slide Number Placeholder 5"/>
           <p:cNvSpPr>
             <a:spLocks noGrp="1"/>
           </p:cNvSpPr>
@@ -2976,8 +2623,8 @@
         </p:nvSpPr>
         <p:spPr>
           <a:xfrm>
-            <a:off x="8610600" y="6356350"/>
-            <a:ext cx="2743200" cy="365125"/>
+            <a:off x="8868470" y="6780107"/>
+            <a:ext cx="2825353" cy="389467"/>
           </a:xfrm>
           <a:prstGeom prst="rect">
             <a:avLst/>
@@ -2987,7 +2634,7 @@
           <a:bodyPr vert="horz" lIns="91440" tIns="45720" rIns="91440" bIns="45720" rtlCol="0" anchor="ctr"/>
           <a:lstStyle>
             <a:lvl1pPr algn="r">
-              <a:defRPr sz="1200">
+              <a:defRPr sz="1236">
                 <a:solidFill>
                   <a:schemeClr val="tx1">
                     <a:tint val="75000"/>
@@ -3008,27 +2655,27 @@
     </p:spTree>
     <p:extLst>
       <p:ext uri="{BB962C8B-B14F-4D97-AF65-F5344CB8AC3E}">
-        <p14:creationId xmlns:p14="http://schemas.microsoft.com/office/powerpoint/2010/main" val="1700164393"/>
+        <p14:creationId xmlns:p14="http://schemas.microsoft.com/office/powerpoint/2010/main" val="1857635891"/>
       </p:ext>
     </p:extLst>
   </p:cSld>
   <p:clrMap bg1="lt1" tx1="dk1" bg2="lt2" tx2="dk2" accent1="accent1" accent2="accent2" accent3="accent3" accent4="accent4" accent5="accent5" accent6="accent6" hlink="hlink" folHlink="folHlink"/>
   <p:sldLayoutIdLst>
-    <p:sldLayoutId id="2147483649" r:id="rId1"/>
-    <p:sldLayoutId id="2147483650" r:id="rId2"/>
-    <p:sldLayoutId id="2147483651" r:id="rId3"/>
-    <p:sldLayoutId id="2147483652" r:id="rId4"/>
-    <p:sldLayoutId id="2147483653" r:id="rId5"/>
-    <p:sldLayoutId id="2147483654" r:id="rId6"/>
-    <p:sldLayoutId id="2147483655" r:id="rId7"/>
-    <p:sldLayoutId id="2147483656" r:id="rId8"/>
-    <p:sldLayoutId id="2147483657" r:id="rId9"/>
-    <p:sldLayoutId id="2147483658" r:id="rId10"/>
-    <p:sldLayoutId id="2147483659" r:id="rId11"/>
+    <p:sldLayoutId id="2147483661" r:id="rId1"/>
+    <p:sldLayoutId id="2147483662" r:id="rId2"/>
+    <p:sldLayoutId id="2147483663" r:id="rId3"/>
+    <p:sldLayoutId id="2147483664" r:id="rId4"/>
+    <p:sldLayoutId id="2147483665" r:id="rId5"/>
+    <p:sldLayoutId id="2147483666" r:id="rId6"/>
+    <p:sldLayoutId id="2147483667" r:id="rId7"/>
+    <p:sldLayoutId id="2147483668" r:id="rId8"/>
+    <p:sldLayoutId id="2147483669" r:id="rId9"/>
+    <p:sldLayoutId id="2147483670" r:id="rId10"/>
+    <p:sldLayoutId id="2147483671" r:id="rId11"/>
   </p:sldLayoutIdLst>
   <p:txStyles>
     <p:titleStyle>
-      <a:lvl1pPr algn="l" defTabSz="914400" rtl="0" eaLnBrk="1" latinLnBrk="0" hangingPunct="1">
+      <a:lvl1pPr algn="l" defTabSz="941741" rtl="0" eaLnBrk="1" latinLnBrk="0" hangingPunct="1">
         <a:lnSpc>
           <a:spcPct val="90000"/>
         </a:lnSpc>
@@ -3036,7 +2683,7 @@
           <a:spcPct val="0"/>
         </a:spcBef>
         <a:buNone/>
-        <a:defRPr sz="4400" kern="1200">
+        <a:defRPr sz="4532" kern="1200">
           <a:solidFill>
             <a:schemeClr val="tx1"/>
           </a:solidFill>
@@ -3047,16 +2694,16 @@
       </a:lvl1pPr>
     </p:titleStyle>
     <p:bodyStyle>
-      <a:lvl1pPr marL="228600" indent="-228600" algn="l" defTabSz="914400" rtl="0" eaLnBrk="1" latinLnBrk="0" hangingPunct="1">
+      <a:lvl1pPr marL="235435" indent="-235435" algn="l" defTabSz="941741" rtl="0" eaLnBrk="1" latinLnBrk="0" hangingPunct="1">
         <a:lnSpc>
           <a:spcPct val="90000"/>
         </a:lnSpc>
         <a:spcBef>
-          <a:spcPts val="1000"/>
+          <a:spcPts val="1030"/>
         </a:spcBef>
         <a:buFont typeface="Arial" panose="020B0604020202020204" pitchFamily="34" charset="0"/>
         <a:buChar char="•"/>
-        <a:defRPr sz="2800" kern="1200">
+        <a:defRPr sz="2884" kern="1200">
           <a:solidFill>
             <a:schemeClr val="tx1"/>
           </a:solidFill>
@@ -3065,16 +2712,16 @@
           <a:cs typeface="+mn-cs"/>
         </a:defRPr>
       </a:lvl1pPr>
-      <a:lvl2pPr marL="685800" indent="-228600" algn="l" defTabSz="914400" rtl="0" eaLnBrk="1" latinLnBrk="0" hangingPunct="1">
+      <a:lvl2pPr marL="706305" indent="-235435" algn="l" defTabSz="941741" rtl="0" eaLnBrk="1" latinLnBrk="0" hangingPunct="1">
         <a:lnSpc>
           <a:spcPct val="90000"/>
         </a:lnSpc>
         <a:spcBef>
-          <a:spcPts val="500"/>
+          <a:spcPts val="515"/>
         </a:spcBef>
         <a:buFont typeface="Arial" panose="020B0604020202020204" pitchFamily="34" charset="0"/>
         <a:buChar char="•"/>
-        <a:defRPr sz="2400" kern="1200">
+        <a:defRPr sz="2472" kern="1200">
           <a:solidFill>
             <a:schemeClr val="tx1"/>
           </a:solidFill>
@@ -3083,16 +2730,16 @@
           <a:cs typeface="+mn-cs"/>
         </a:defRPr>
       </a:lvl2pPr>
-      <a:lvl3pPr marL="1143000" indent="-228600" algn="l" defTabSz="914400" rtl="0" eaLnBrk="1" latinLnBrk="0" hangingPunct="1">
+      <a:lvl3pPr marL="1177176" indent="-235435" algn="l" defTabSz="941741" rtl="0" eaLnBrk="1" latinLnBrk="0" hangingPunct="1">
         <a:lnSpc>
           <a:spcPct val="90000"/>
         </a:lnSpc>
         <a:spcBef>
-          <a:spcPts val="500"/>
+          <a:spcPts val="515"/>
         </a:spcBef>
         <a:buFont typeface="Arial" panose="020B0604020202020204" pitchFamily="34" charset="0"/>
         <a:buChar char="•"/>
-        <a:defRPr sz="2000" kern="1200">
+        <a:defRPr sz="2060" kern="1200">
           <a:solidFill>
             <a:schemeClr val="tx1"/>
           </a:solidFill>
@@ -3101,16 +2748,16 @@
           <a:cs typeface="+mn-cs"/>
         </a:defRPr>
       </a:lvl3pPr>
-      <a:lvl4pPr marL="1600200" indent="-228600" algn="l" defTabSz="914400" rtl="0" eaLnBrk="1" latinLnBrk="0" hangingPunct="1">
+      <a:lvl4pPr marL="1648046" indent="-235435" algn="l" defTabSz="941741" rtl="0" eaLnBrk="1" latinLnBrk="0" hangingPunct="1">
         <a:lnSpc>
           <a:spcPct val="90000"/>
         </a:lnSpc>
         <a:spcBef>
-          <a:spcPts val="500"/>
+          <a:spcPts val="515"/>
         </a:spcBef>
         <a:buFont typeface="Arial" panose="020B0604020202020204" pitchFamily="34" charset="0"/>
         <a:buChar char="•"/>
-        <a:defRPr sz="1800" kern="1200">
+        <a:defRPr sz="1854" kern="1200">
           <a:solidFill>
             <a:schemeClr val="tx1"/>
           </a:solidFill>
@@ -3119,16 +2766,16 @@
           <a:cs typeface="+mn-cs"/>
         </a:defRPr>
       </a:lvl4pPr>
-      <a:lvl5pPr marL="2057400" indent="-228600" algn="l" defTabSz="914400" rtl="0" eaLnBrk="1" latinLnBrk="0" hangingPunct="1">
+      <a:lvl5pPr marL="2118916" indent="-235435" algn="l" defTabSz="941741" rtl="0" eaLnBrk="1" latinLnBrk="0" hangingPunct="1">
         <a:lnSpc>
           <a:spcPct val="90000"/>
         </a:lnSpc>
         <a:spcBef>
-          <a:spcPts val="500"/>
+          <a:spcPts val="515"/>
         </a:spcBef>
         <a:buFont typeface="Arial" panose="020B0604020202020204" pitchFamily="34" charset="0"/>
         <a:buChar char="•"/>
-        <a:defRPr sz="1800" kern="1200">
+        <a:defRPr sz="1854" kern="1200">
           <a:solidFill>
             <a:schemeClr val="tx1"/>
           </a:solidFill>
@@ -3137,16 +2784,16 @@
           <a:cs typeface="+mn-cs"/>
         </a:defRPr>
       </a:lvl5pPr>
-      <a:lvl6pPr marL="2514600" indent="-228600" algn="l" defTabSz="914400" rtl="0" eaLnBrk="1" latinLnBrk="0" hangingPunct="1">
+      <a:lvl6pPr marL="2589787" indent="-235435" algn="l" defTabSz="941741" rtl="0" eaLnBrk="1" latinLnBrk="0" hangingPunct="1">
         <a:lnSpc>
           <a:spcPct val="90000"/>
         </a:lnSpc>
         <a:spcBef>
-          <a:spcPts val="500"/>
+          <a:spcPts val="515"/>
         </a:spcBef>
         <a:buFont typeface="Arial" panose="020B0604020202020204" pitchFamily="34" charset="0"/>
         <a:buChar char="•"/>
-        <a:defRPr sz="1800" kern="1200">
+        <a:defRPr sz="1854" kern="1200">
           <a:solidFill>
             <a:schemeClr val="tx1"/>
           </a:solidFill>
@@ -3155,16 +2802,16 @@
           <a:cs typeface="+mn-cs"/>
         </a:defRPr>
       </a:lvl6pPr>
-      <a:lvl7pPr marL="2971800" indent="-228600" algn="l" defTabSz="914400" rtl="0" eaLnBrk="1" latinLnBrk="0" hangingPunct="1">
+      <a:lvl7pPr marL="3060657" indent="-235435" algn="l" defTabSz="941741" rtl="0" eaLnBrk="1" latinLnBrk="0" hangingPunct="1">
         <a:lnSpc>
           <a:spcPct val="90000"/>
         </a:lnSpc>
         <a:spcBef>
-          <a:spcPts val="500"/>
+          <a:spcPts val="515"/>
         </a:spcBef>
         <a:buFont typeface="Arial" panose="020B0604020202020204" pitchFamily="34" charset="0"/>
         <a:buChar char="•"/>
-        <a:defRPr sz="1800" kern="1200">
+        <a:defRPr sz="1854" kern="1200">
           <a:solidFill>
             <a:schemeClr val="tx1"/>
           </a:solidFill>
@@ -3173,16 +2820,16 @@
           <a:cs typeface="+mn-cs"/>
         </a:defRPr>
       </a:lvl7pPr>
-      <a:lvl8pPr marL="3429000" indent="-228600" algn="l" defTabSz="914400" rtl="0" eaLnBrk="1" latinLnBrk="0" hangingPunct="1">
+      <a:lvl8pPr marL="3531527" indent="-235435" algn="l" defTabSz="941741" rtl="0" eaLnBrk="1" latinLnBrk="0" hangingPunct="1">
         <a:lnSpc>
           <a:spcPct val="90000"/>
         </a:lnSpc>
         <a:spcBef>
-          <a:spcPts val="500"/>
+          <a:spcPts val="515"/>
         </a:spcBef>
         <a:buFont typeface="Arial" panose="020B0604020202020204" pitchFamily="34" charset="0"/>
         <a:buChar char="•"/>
-        <a:defRPr sz="1800" kern="1200">
+        <a:defRPr sz="1854" kern="1200">
           <a:solidFill>
             <a:schemeClr val="tx1"/>
           </a:solidFill>
@@ -3191,16 +2838,16 @@
           <a:cs typeface="+mn-cs"/>
         </a:defRPr>
       </a:lvl8pPr>
-      <a:lvl9pPr marL="3886200" indent="-228600" algn="l" defTabSz="914400" rtl="0" eaLnBrk="1" latinLnBrk="0" hangingPunct="1">
+      <a:lvl9pPr marL="4002397" indent="-235435" algn="l" defTabSz="941741" rtl="0" eaLnBrk="1" latinLnBrk="0" hangingPunct="1">
         <a:lnSpc>
           <a:spcPct val="90000"/>
         </a:lnSpc>
         <a:spcBef>
-          <a:spcPts val="500"/>
+          <a:spcPts val="515"/>
         </a:spcBef>
         <a:buFont typeface="Arial" panose="020B0604020202020204" pitchFamily="34" charset="0"/>
         <a:buChar char="•"/>
-        <a:defRPr sz="1800" kern="1200">
+        <a:defRPr sz="1854" kern="1200">
           <a:solidFill>
             <a:schemeClr val="tx1"/>
           </a:solidFill>
@@ -3214,8 +2861,8 @@
       <a:defPPr>
         <a:defRPr lang="en-US"/>
       </a:defPPr>
-      <a:lvl1pPr marL="0" algn="l" defTabSz="914400" rtl="0" eaLnBrk="1" latinLnBrk="0" hangingPunct="1">
-        <a:defRPr sz="1800" kern="1200">
+      <a:lvl1pPr marL="0" algn="l" defTabSz="941741" rtl="0" eaLnBrk="1" latinLnBrk="0" hangingPunct="1">
+        <a:defRPr sz="1854" kern="1200">
           <a:solidFill>
             <a:schemeClr val="tx1"/>
           </a:solidFill>
@@ -3224,8 +2871,8 @@
           <a:cs typeface="+mn-cs"/>
         </a:defRPr>
       </a:lvl1pPr>
-      <a:lvl2pPr marL="457200" algn="l" defTabSz="914400" rtl="0" eaLnBrk="1" latinLnBrk="0" hangingPunct="1">
-        <a:defRPr sz="1800" kern="1200">
+      <a:lvl2pPr marL="470870" algn="l" defTabSz="941741" rtl="0" eaLnBrk="1" latinLnBrk="0" hangingPunct="1">
+        <a:defRPr sz="1854" kern="1200">
           <a:solidFill>
             <a:schemeClr val="tx1"/>
           </a:solidFill>
@@ -3234,8 +2881,8 @@
           <a:cs typeface="+mn-cs"/>
         </a:defRPr>
       </a:lvl2pPr>
-      <a:lvl3pPr marL="914400" algn="l" defTabSz="914400" rtl="0" eaLnBrk="1" latinLnBrk="0" hangingPunct="1">
-        <a:defRPr sz="1800" kern="1200">
+      <a:lvl3pPr marL="941741" algn="l" defTabSz="941741" rtl="0" eaLnBrk="1" latinLnBrk="0" hangingPunct="1">
+        <a:defRPr sz="1854" kern="1200">
           <a:solidFill>
             <a:schemeClr val="tx1"/>
           </a:solidFill>
@@ -3244,8 +2891,8 @@
           <a:cs typeface="+mn-cs"/>
         </a:defRPr>
       </a:lvl3pPr>
-      <a:lvl4pPr marL="1371600" algn="l" defTabSz="914400" rtl="0" eaLnBrk="1" latinLnBrk="0" hangingPunct="1">
-        <a:defRPr sz="1800" kern="1200">
+      <a:lvl4pPr marL="1412611" algn="l" defTabSz="941741" rtl="0" eaLnBrk="1" latinLnBrk="0" hangingPunct="1">
+        <a:defRPr sz="1854" kern="1200">
           <a:solidFill>
             <a:schemeClr val="tx1"/>
           </a:solidFill>
@@ -3254,8 +2901,8 @@
           <a:cs typeface="+mn-cs"/>
         </a:defRPr>
       </a:lvl4pPr>
-      <a:lvl5pPr marL="1828800" algn="l" defTabSz="914400" rtl="0" eaLnBrk="1" latinLnBrk="0" hangingPunct="1">
-        <a:defRPr sz="1800" kern="1200">
+      <a:lvl5pPr marL="1883481" algn="l" defTabSz="941741" rtl="0" eaLnBrk="1" latinLnBrk="0" hangingPunct="1">
+        <a:defRPr sz="1854" kern="1200">
           <a:solidFill>
             <a:schemeClr val="tx1"/>
           </a:solidFill>
@@ -3264,8 +2911,8 @@
           <a:cs typeface="+mn-cs"/>
         </a:defRPr>
       </a:lvl5pPr>
-      <a:lvl6pPr marL="2286000" algn="l" defTabSz="914400" rtl="0" eaLnBrk="1" latinLnBrk="0" hangingPunct="1">
-        <a:defRPr sz="1800" kern="1200">
+      <a:lvl6pPr marL="2354351" algn="l" defTabSz="941741" rtl="0" eaLnBrk="1" latinLnBrk="0" hangingPunct="1">
+        <a:defRPr sz="1854" kern="1200">
           <a:solidFill>
             <a:schemeClr val="tx1"/>
           </a:solidFill>
@@ -3274,8 +2921,8 @@
           <a:cs typeface="+mn-cs"/>
         </a:defRPr>
       </a:lvl6pPr>
-      <a:lvl7pPr marL="2743200" algn="l" defTabSz="914400" rtl="0" eaLnBrk="1" latinLnBrk="0" hangingPunct="1">
-        <a:defRPr sz="1800" kern="1200">
+      <a:lvl7pPr marL="2825222" algn="l" defTabSz="941741" rtl="0" eaLnBrk="1" latinLnBrk="0" hangingPunct="1">
+        <a:defRPr sz="1854" kern="1200">
           <a:solidFill>
             <a:schemeClr val="tx1"/>
           </a:solidFill>
@@ -3284,8 +2931,8 @@
           <a:cs typeface="+mn-cs"/>
         </a:defRPr>
       </a:lvl7pPr>
-      <a:lvl8pPr marL="3200400" algn="l" defTabSz="914400" rtl="0" eaLnBrk="1" latinLnBrk="0" hangingPunct="1">
-        <a:defRPr sz="1800" kern="1200">
+      <a:lvl8pPr marL="3296092" algn="l" defTabSz="941741" rtl="0" eaLnBrk="1" latinLnBrk="0" hangingPunct="1">
+        <a:defRPr sz="1854" kern="1200">
           <a:solidFill>
             <a:schemeClr val="tx1"/>
           </a:solidFill>
@@ -3294,8 +2941,8 @@
           <a:cs typeface="+mn-cs"/>
         </a:defRPr>
       </a:lvl8pPr>
-      <a:lvl9pPr marL="3657600" algn="l" defTabSz="914400" rtl="0" eaLnBrk="1" latinLnBrk="0" hangingPunct="1">
-        <a:defRPr sz="1800" kern="1200">
+      <a:lvl9pPr marL="3766962" algn="l" defTabSz="941741" rtl="0" eaLnBrk="1" latinLnBrk="0" hangingPunct="1">
+        <a:defRPr sz="1854" kern="1200">
           <a:solidFill>
             <a:schemeClr val="tx1"/>
           </a:solidFill>
@@ -3340,7 +2987,7 @@
         </p:nvGrpSpPr>
         <p:grpSpPr>
           <a:xfrm>
-            <a:off x="3614817" y="42319"/>
+            <a:off x="3797380" y="165819"/>
             <a:ext cx="4937760" cy="1554480"/>
             <a:chOff x="3637615" y="1676"/>
             <a:chExt cx="4916768" cy="1352401"/>
@@ -3441,7 +3088,7 @@
             </a:bodyPr>
             <a:lstStyle/>
             <a:p>
-              <a:pPr marL="0" lvl="0" indent="0" algn="ctr" defTabSz="977900" rtl="0">
+              <a:pPr algn="ctr" defTabSz="977874">
                 <a:lnSpc>
                   <a:spcPct val="90000"/>
                 </a:lnSpc>
@@ -3451,10 +3098,9 @@
                 <a:spcAft>
                   <a:spcPct val="35000"/>
                 </a:spcAft>
-                <a:buNone/>
               </a:pPr>
               <a:r>
-                <a:rPr lang="en-US" sz="2200" kern="1200" dirty="0">
+                <a:rPr lang="en-US" sz="2200" b="1" dirty="0">
                   <a:solidFill>
                     <a:schemeClr val="tx1"/>
                   </a:solidFill>
@@ -3463,7 +3109,7 @@
               </a:r>
             </a:p>
             <a:p>
-              <a:pPr marL="0" lvl="0" indent="0" algn="ctr" defTabSz="977900" rtl="0">
+              <a:pPr algn="ctr" defTabSz="977874">
                 <a:lnSpc>
                   <a:spcPct val="90000"/>
                 </a:lnSpc>
@@ -3473,7 +3119,6 @@
                 <a:spcAft>
                   <a:spcPct val="35000"/>
                 </a:spcAft>
-                <a:buNone/>
               </a:pPr>
               <a:r>
                 <a:rPr lang="en-US" sz="1600" i="1" dirty="0">
@@ -3483,11 +3128,6 @@
                 </a:rPr>
                 <a:t>Ex: How do dense gravity currents emanating from the Arctic shelves influence stratification?</a:t>
               </a:r>
-              <a:endParaRPr lang="en-US" sz="1600" i="1" kern="1200" dirty="0">
-                <a:solidFill>
-                  <a:schemeClr val="tx1"/>
-                </a:solidFill>
-              </a:endParaRPr>
             </a:p>
           </p:txBody>
         </p:sp>
@@ -3506,7 +3146,7 @@
         </p:nvGrpSpPr>
         <p:grpSpPr>
           <a:xfrm>
-            <a:off x="7423" y="2507073"/>
+            <a:off x="105905" y="2735673"/>
             <a:ext cx="4206240" cy="1828800"/>
             <a:chOff x="0" y="2284987"/>
             <a:chExt cx="4916768" cy="1352401"/>
@@ -3607,7 +3247,7 @@
             </a:bodyPr>
             <a:lstStyle/>
             <a:p>
-              <a:pPr marL="0" lvl="0" indent="0" algn="ctr" defTabSz="1022350" rtl="0">
+              <a:pPr algn="ctr" defTabSz="1022323">
                 <a:lnSpc>
                   <a:spcPct val="90000"/>
                 </a:lnSpc>
@@ -3617,19 +3257,18 @@
                 <a:spcAft>
                   <a:spcPct val="35000"/>
                 </a:spcAft>
-                <a:buNone/>
               </a:pPr>
               <a:r>
-                <a:rPr lang="en-US" sz="2300" kern="1200" dirty="0">
+                <a:rPr lang="en-US" sz="2300" b="1" dirty="0">
                   <a:solidFill>
                     <a:schemeClr val="tx1"/>
                   </a:solidFill>
                 </a:rPr>
-                <a:t>Analyze observational and model data, develop a new question regarding a phenomenon.</a:t>
+                <a:t>Analyze observations and model data, develop a new question regarding a phenomenon.</a:t>
               </a:r>
             </a:p>
             <a:p>
-              <a:pPr algn="ctr" defTabSz="1022350">
+              <a:pPr algn="ctr" defTabSz="1022323">
                 <a:lnSpc>
                   <a:spcPct val="90000"/>
                 </a:lnSpc>
@@ -3666,7 +3305,7 @@
         </p:nvGrpSpPr>
         <p:grpSpPr>
           <a:xfrm>
-            <a:off x="7967599" y="2507073"/>
+            <a:off x="8223731" y="2735673"/>
             <a:ext cx="4206240" cy="1828800"/>
             <a:chOff x="7275231" y="2283806"/>
             <a:chExt cx="4916768" cy="1352401"/>
@@ -3767,7 +3406,7 @@
             </a:bodyPr>
             <a:lstStyle/>
             <a:p>
-              <a:pPr marL="0" lvl="0" indent="0" algn="ctr" defTabSz="1022350">
+              <a:pPr algn="ctr" defTabSz="1022323">
                 <a:lnSpc>
                   <a:spcPct val="90000"/>
                 </a:lnSpc>
@@ -3777,19 +3416,18 @@
                 <a:spcAft>
                   <a:spcPct val="35000"/>
                 </a:spcAft>
-                <a:buNone/>
               </a:pPr>
               <a:r>
-                <a:rPr lang="en-US" sz="2300" kern="1200" dirty="0">
+                <a:rPr lang="en-US" sz="2300" b="1" dirty="0">
                   <a:solidFill>
                     <a:schemeClr val="tx1"/>
                   </a:solidFill>
                 </a:rPr>
-                <a:t>How can we represent this phenomenon’s influences in a global ocean model?</a:t>
+                <a:t>How can we represent this phenomenon’s influences in a global climate model?</a:t>
               </a:r>
             </a:p>
             <a:p>
-              <a:pPr marL="0" lvl="0" indent="0" algn="ctr" defTabSz="1022350">
+              <a:pPr algn="ctr" defTabSz="1022323">
                 <a:lnSpc>
                   <a:spcPct val="90000"/>
                 </a:lnSpc>
@@ -3799,10 +3437,9 @@
                 <a:spcAft>
                   <a:spcPct val="35000"/>
                 </a:spcAft>
-                <a:buNone/>
               </a:pPr>
               <a:r>
-                <a:rPr lang="en-US" sz="1600" i="1" kern="1200" dirty="0">
+                <a:rPr lang="en-US" sz="1600" i="1" dirty="0">
                   <a:solidFill>
                     <a:schemeClr val="tx1"/>
                   </a:solidFill>
@@ -3810,7 +3447,7 @@
                 <a:t>Ex: Parameterization of </a:t>
               </a:r>
               <a:r>
-                <a:rPr lang="en-US" sz="1600" i="1" kern="1200" dirty="0" err="1">
+                <a:rPr lang="en-US" sz="1600" i="1" dirty="0" err="1">
                   <a:solidFill>
                     <a:schemeClr val="tx1"/>
                   </a:solidFill>
@@ -3818,7 +3455,7 @@
                 <a:t>submesoscale</a:t>
               </a:r>
               <a:r>
-                <a:rPr lang="en-US" sz="1600" i="1" kern="1200" dirty="0">
+                <a:rPr lang="en-US" sz="1600" i="1" dirty="0">
                   <a:solidFill>
                     <a:schemeClr val="tx1"/>
                   </a:solidFill>
@@ -3843,7 +3480,7 @@
         </p:nvGrpSpPr>
         <p:grpSpPr>
           <a:xfrm>
-            <a:off x="3614817" y="5254608"/>
+            <a:off x="3797380" y="5588308"/>
             <a:ext cx="4937760" cy="1554480"/>
             <a:chOff x="3637615" y="4468945"/>
             <a:chExt cx="4916768" cy="1352401"/>
@@ -3944,7 +3581,7 @@
             </a:bodyPr>
             <a:lstStyle/>
             <a:p>
-              <a:pPr marL="0" lvl="0" indent="0" algn="ctr" defTabSz="1022350" rtl="0">
+              <a:pPr algn="ctr" defTabSz="1022323">
                 <a:lnSpc>
                   <a:spcPct val="90000"/>
                 </a:lnSpc>
@@ -3954,10 +3591,9 @@
                 <a:spcAft>
                   <a:spcPct val="35000"/>
                 </a:spcAft>
-                <a:buNone/>
               </a:pPr>
               <a:r>
-                <a:rPr lang="en-US" sz="2300" kern="1200" dirty="0">
+                <a:rPr lang="en-US" sz="2300" b="1" dirty="0">
                   <a:solidFill>
                     <a:schemeClr val="tx1"/>
                   </a:solidFill>
@@ -3966,7 +3602,7 @@
               </a:r>
             </a:p>
             <a:p>
-              <a:pPr algn="ctr" defTabSz="1022350">
+              <a:pPr algn="ctr" defTabSz="1022323">
                 <a:lnSpc>
                   <a:spcPct val="90000"/>
                 </a:lnSpc>
@@ -4003,7 +3639,7 @@
         </p:nvSpPr>
         <p:spPr>
           <a:xfrm>
-            <a:off x="5779306" y="1568266"/>
+            <a:off x="5961868" y="1691766"/>
             <a:ext cx="4467268" cy="4467268"/>
           </a:xfrm>
           <a:custGeom>
@@ -4065,7 +3701,7 @@
         </p:nvSpPr>
         <p:spPr>
           <a:xfrm>
-            <a:off x="1868114" y="1568266"/>
+            <a:off x="2050677" y="1691766"/>
             <a:ext cx="4467268" cy="4467268"/>
           </a:xfrm>
           <a:custGeom>
@@ -4127,7 +3763,7 @@
         </p:nvSpPr>
         <p:spPr>
           <a:xfrm>
-            <a:off x="5798762" y="819559"/>
+            <a:off x="5981325" y="1153259"/>
             <a:ext cx="4467268" cy="4467268"/>
           </a:xfrm>
           <a:custGeom>
@@ -4189,7 +3825,7 @@
         </p:nvSpPr>
         <p:spPr>
           <a:xfrm>
-            <a:off x="1887570" y="819559"/>
+            <a:off x="2070133" y="1153259"/>
             <a:ext cx="4467268" cy="4467268"/>
           </a:xfrm>
           <a:custGeom>
@@ -4251,7 +3887,7 @@
         </p:nvGrpSpPr>
         <p:grpSpPr>
           <a:xfrm>
-            <a:off x="4297491" y="1638393"/>
+            <a:off x="4480053" y="1866993"/>
             <a:ext cx="3609678" cy="3576918"/>
             <a:chOff x="4241461" y="1658998"/>
             <a:chExt cx="3609678" cy="3576918"/>
@@ -4323,12 +3959,7 @@
                   </a:avLst>
                 </a:prstGeom>
                 <a:solidFill>
-                  <a:schemeClr val="accent2">
-                    <a:hueOff val="-727682"/>
-                    <a:satOff val="-41964"/>
-                    <a:lumOff val="4314"/>
-                    <a:alpha val="50000"/>
-                  </a:schemeClr>
+                  <a:srgbClr val="E9BDAD"/>
                 </a:solidFill>
                 <a:ln>
                   <a:solidFill>
@@ -4405,7 +4036,7 @@
                 </a:bodyPr>
                 <a:lstStyle/>
                 <a:p>
-                  <a:pPr marL="0" lvl="0" indent="0" algn="ctr" defTabSz="889000" rtl="0">
+                  <a:pPr algn="ctr" defTabSz="888977">
                     <a:lnSpc>
                       <a:spcPct val="90000"/>
                     </a:lnSpc>
@@ -4415,10 +4046,9 @@
                     <a:spcAft>
                       <a:spcPct val="35000"/>
                     </a:spcAft>
-                    <a:buNone/>
                   </a:pPr>
                   <a:r>
-                    <a:rPr lang="en-US" sz="2200" b="1" kern="1200" dirty="0">
+                    <a:rPr lang="en-US" sz="2200" b="1" dirty="0">
                       <a:solidFill>
                         <a:schemeClr val="tx1"/>
                       </a:solidFill>
@@ -4555,7 +4185,7 @@
                 </a:bodyPr>
                 <a:lstStyle/>
                 <a:p>
-                  <a:pPr marL="0" lvl="0" indent="0" algn="ctr" defTabSz="889000" rtl="0">
+                  <a:pPr algn="ctr" defTabSz="888977">
                     <a:lnSpc>
                       <a:spcPct val="90000"/>
                     </a:lnSpc>
@@ -4565,10 +4195,9 @@
                     <a:spcAft>
                       <a:spcPct val="35000"/>
                     </a:spcAft>
-                    <a:buNone/>
                   </a:pPr>
                   <a:r>
-                    <a:rPr lang="en-US" sz="2200" b="1" kern="1200" dirty="0">
+                    <a:rPr lang="en-US" sz="2200" b="1" dirty="0">
                       <a:solidFill>
                         <a:schemeClr val="tx1"/>
                       </a:solidFill>
@@ -4707,7 +4336,7 @@
                 </a:bodyPr>
                 <a:lstStyle/>
                 <a:p>
-                  <a:pPr marL="0" lvl="0" indent="0" algn="ctr" defTabSz="889000" rtl="0">
+                  <a:pPr algn="ctr" defTabSz="888977">
                     <a:lnSpc>
                       <a:spcPct val="90000"/>
                     </a:lnSpc>
@@ -4717,10 +4346,9 @@
                     <a:spcAft>
                       <a:spcPct val="35000"/>
                     </a:spcAft>
-                    <a:buNone/>
                   </a:pPr>
                   <a:r>
-                    <a:rPr lang="en-US" sz="2200" b="1" kern="1200" dirty="0">
+                    <a:rPr lang="en-US" sz="2200" b="1" dirty="0">
                       <a:solidFill>
                         <a:schemeClr val="tx1"/>
                       </a:solidFill>
@@ -4746,8 +4374,8 @@
           </p:nvSpPr>
           <p:spPr>
             <a:xfrm>
-              <a:off x="4620717" y="3945735"/>
-              <a:ext cx="1107804" cy="769441"/>
+              <a:off x="4607859" y="3945735"/>
+              <a:ext cx="1133520" cy="787302"/>
             </a:xfrm>
             <a:prstGeom prst="rect">
               <a:avLst/>
@@ -4791,7 +4419,7 @@
 <file path=ppt/theme/theme1.xml><?xml version="1.0" encoding="utf-8"?>
 <a:theme xmlns:a="http://schemas.openxmlformats.org/drawingml/2006/main" name="Office Theme">
   <a:themeElements>
-    <a:clrScheme name="Office">
+    <a:clrScheme name="Office Theme">
       <a:dk1>
         <a:sysClr val="windowText" lastClr="000000"/>
       </a:dk1>
@@ -4829,7 +4457,7 @@
         <a:srgbClr val="954F72"/>
       </a:folHlink>
     </a:clrScheme>
-    <a:fontScheme name="Office">
+    <a:fontScheme name="Office Theme">
       <a:majorFont>
         <a:latin typeface="Calibri Light" panose="020F0302020204030204"/>
         <a:ea typeface=""/>
@@ -4864,23 +4492,6 @@
         <a:font script="Viet" typeface="Times New Roman"/>
         <a:font script="Uigh" typeface="Microsoft Uighur"/>
         <a:font script="Geor" typeface="Sylfaen"/>
-        <a:font script="Armn" typeface="Arial"/>
-        <a:font script="Bugi" typeface="Leelawadee UI"/>
-        <a:font script="Bopo" typeface="Microsoft JhengHei"/>
-        <a:font script="Java" typeface="Javanese Text"/>
-        <a:font script="Lisu" typeface="Segoe UI"/>
-        <a:font script="Mymr" typeface="Myanmar Text"/>
-        <a:font script="Nkoo" typeface="Ebrima"/>
-        <a:font script="Olck" typeface="Nirmala UI"/>
-        <a:font script="Osma" typeface="Ebrima"/>
-        <a:font script="Phag" typeface="Phagspa"/>
-        <a:font script="Syrn" typeface="Estrangelo Edessa"/>
-        <a:font script="Syrj" typeface="Estrangelo Edessa"/>
-        <a:font script="Syre" typeface="Estrangelo Edessa"/>
-        <a:font script="Sora" typeface="Nirmala UI"/>
-        <a:font script="Tale" typeface="Microsoft Tai Le"/>
-        <a:font script="Talu" typeface="Microsoft New Tai Lue"/>
-        <a:font script="Tfng" typeface="Ebrima"/>
       </a:majorFont>
       <a:minorFont>
         <a:latin typeface="Calibri" panose="020F0502020204030204"/>
@@ -4916,26 +4527,9 @@
         <a:font script="Viet" typeface="Arial"/>
         <a:font script="Uigh" typeface="Microsoft Uighur"/>
         <a:font script="Geor" typeface="Sylfaen"/>
-        <a:font script="Armn" typeface="Arial"/>
-        <a:font script="Bugi" typeface="Leelawadee UI"/>
-        <a:font script="Bopo" typeface="Microsoft JhengHei"/>
-        <a:font script="Java" typeface="Javanese Text"/>
-        <a:font script="Lisu" typeface="Segoe UI"/>
-        <a:font script="Mymr" typeface="Myanmar Text"/>
-        <a:font script="Nkoo" typeface="Ebrima"/>
-        <a:font script="Olck" typeface="Nirmala UI"/>
-        <a:font script="Osma" typeface="Ebrima"/>
-        <a:font script="Phag" typeface="Phagspa"/>
-        <a:font script="Syrn" typeface="Estrangelo Edessa"/>
-        <a:font script="Syrj" typeface="Estrangelo Edessa"/>
-        <a:font script="Syre" typeface="Estrangelo Edessa"/>
-        <a:font script="Sora" typeface="Nirmala UI"/>
-        <a:font script="Tale" typeface="Microsoft Tai Le"/>
-        <a:font script="Talu" typeface="Microsoft New Tai Lue"/>
-        <a:font script="Tfng" typeface="Ebrima"/>
       </a:minorFont>
     </a:fontScheme>
-    <a:fmtScheme name="Office">
+    <a:fmtScheme name="Office Theme">
       <a:fillStyleLst>
         <a:solidFill>
           <a:schemeClr val="phClr"/>

--- a/assets/images/research_chart.pptx
+++ b/assets/images/research_chart.pptx
@@ -245,7 +245,7 @@
               <a:rPr lang="en-US" smtClean="0"/>
               <a:t>8/29/22</a:t>
             </a:fld>
-            <a:endParaRPr lang="en-US"/>
+            <a:endParaRPr lang="en-US" dirty="0"/>
           </a:p>
         </p:txBody>
       </p:sp>
@@ -264,7 +264,7 @@
           <a:bodyPr/>
           <a:lstStyle/>
           <a:p>
-            <a:endParaRPr lang="en-US"/>
+            <a:endParaRPr lang="en-US" dirty="0"/>
           </a:p>
         </p:txBody>
       </p:sp>
@@ -287,7 +287,7 @@
               <a:rPr lang="en-US" smtClean="0"/>
               <a:t>‹#›</a:t>
             </a:fld>
-            <a:endParaRPr lang="en-US"/>
+            <a:endParaRPr lang="en-US" dirty="0"/>
           </a:p>
         </p:txBody>
       </p:sp>
@@ -415,7 +415,7 @@
               <a:rPr lang="en-US" smtClean="0"/>
               <a:t>8/29/22</a:t>
             </a:fld>
-            <a:endParaRPr lang="en-US"/>
+            <a:endParaRPr lang="en-US" dirty="0"/>
           </a:p>
         </p:txBody>
       </p:sp>
@@ -434,7 +434,7 @@
           <a:bodyPr/>
           <a:lstStyle/>
           <a:p>
-            <a:endParaRPr lang="en-US"/>
+            <a:endParaRPr lang="en-US" dirty="0"/>
           </a:p>
         </p:txBody>
       </p:sp>
@@ -457,7 +457,7 @@
               <a:rPr lang="en-US" smtClean="0"/>
               <a:t>‹#›</a:t>
             </a:fld>
-            <a:endParaRPr lang="en-US"/>
+            <a:endParaRPr lang="en-US" dirty="0"/>
           </a:p>
         </p:txBody>
       </p:sp>
@@ -595,7 +595,7 @@
               <a:rPr lang="en-US" smtClean="0"/>
               <a:t>8/29/22</a:t>
             </a:fld>
-            <a:endParaRPr lang="en-US"/>
+            <a:endParaRPr lang="en-US" dirty="0"/>
           </a:p>
         </p:txBody>
       </p:sp>
@@ -614,7 +614,7 @@
           <a:bodyPr/>
           <a:lstStyle/>
           <a:p>
-            <a:endParaRPr lang="en-US"/>
+            <a:endParaRPr lang="en-US" dirty="0"/>
           </a:p>
         </p:txBody>
       </p:sp>
@@ -637,7 +637,7 @@
               <a:rPr lang="en-US" smtClean="0"/>
               <a:t>‹#›</a:t>
             </a:fld>
-            <a:endParaRPr lang="en-US"/>
+            <a:endParaRPr lang="en-US" dirty="0"/>
           </a:p>
         </p:txBody>
       </p:sp>
@@ -765,7 +765,7 @@
               <a:rPr lang="en-US" smtClean="0"/>
               <a:t>8/29/22</a:t>
             </a:fld>
-            <a:endParaRPr lang="en-US"/>
+            <a:endParaRPr lang="en-US" dirty="0"/>
           </a:p>
         </p:txBody>
       </p:sp>
@@ -784,7 +784,7 @@
           <a:bodyPr/>
           <a:lstStyle/>
           <a:p>
-            <a:endParaRPr lang="en-US"/>
+            <a:endParaRPr lang="en-US" dirty="0"/>
           </a:p>
         </p:txBody>
       </p:sp>
@@ -807,7 +807,7 @@
               <a:rPr lang="en-US" smtClean="0"/>
               <a:t>‹#›</a:t>
             </a:fld>
-            <a:endParaRPr lang="en-US"/>
+            <a:endParaRPr lang="en-US" dirty="0"/>
           </a:p>
         </p:txBody>
       </p:sp>
@@ -1011,7 +1011,7 @@
               <a:rPr lang="en-US" smtClean="0"/>
               <a:t>8/29/22</a:t>
             </a:fld>
-            <a:endParaRPr lang="en-US"/>
+            <a:endParaRPr lang="en-US" dirty="0"/>
           </a:p>
         </p:txBody>
       </p:sp>
@@ -1030,7 +1030,7 @@
           <a:bodyPr/>
           <a:lstStyle/>
           <a:p>
-            <a:endParaRPr lang="en-US"/>
+            <a:endParaRPr lang="en-US" dirty="0"/>
           </a:p>
         </p:txBody>
       </p:sp>
@@ -1053,7 +1053,7 @@
               <a:rPr lang="en-US" smtClean="0"/>
               <a:t>‹#›</a:t>
             </a:fld>
-            <a:endParaRPr lang="en-US"/>
+            <a:endParaRPr lang="en-US" dirty="0"/>
           </a:p>
         </p:txBody>
       </p:sp>
@@ -1243,7 +1243,7 @@
               <a:rPr lang="en-US" smtClean="0"/>
               <a:t>8/29/22</a:t>
             </a:fld>
-            <a:endParaRPr lang="en-US"/>
+            <a:endParaRPr lang="en-US" dirty="0"/>
           </a:p>
         </p:txBody>
       </p:sp>
@@ -1262,7 +1262,7 @@
           <a:bodyPr/>
           <a:lstStyle/>
           <a:p>
-            <a:endParaRPr lang="en-US"/>
+            <a:endParaRPr lang="en-US" dirty="0"/>
           </a:p>
         </p:txBody>
       </p:sp>
@@ -1285,7 +1285,7 @@
               <a:rPr lang="en-US" smtClean="0"/>
               <a:t>‹#›</a:t>
             </a:fld>
-            <a:endParaRPr lang="en-US"/>
+            <a:endParaRPr lang="en-US" dirty="0"/>
           </a:p>
         </p:txBody>
       </p:sp>
@@ -1610,7 +1610,7 @@
               <a:rPr lang="en-US" smtClean="0"/>
               <a:t>8/29/22</a:t>
             </a:fld>
-            <a:endParaRPr lang="en-US"/>
+            <a:endParaRPr lang="en-US" dirty="0"/>
           </a:p>
         </p:txBody>
       </p:sp>
@@ -1629,7 +1629,7 @@
           <a:bodyPr/>
           <a:lstStyle/>
           <a:p>
-            <a:endParaRPr lang="en-US"/>
+            <a:endParaRPr lang="en-US" dirty="0"/>
           </a:p>
         </p:txBody>
       </p:sp>
@@ -1652,7 +1652,7 @@
               <a:rPr lang="en-US" smtClean="0"/>
               <a:t>‹#›</a:t>
             </a:fld>
-            <a:endParaRPr lang="en-US"/>
+            <a:endParaRPr lang="en-US" dirty="0"/>
           </a:p>
         </p:txBody>
       </p:sp>
@@ -1728,7 +1728,7 @@
               <a:rPr lang="en-US" smtClean="0"/>
               <a:t>8/29/22</a:t>
             </a:fld>
-            <a:endParaRPr lang="en-US"/>
+            <a:endParaRPr lang="en-US" dirty="0"/>
           </a:p>
         </p:txBody>
       </p:sp>
@@ -1747,7 +1747,7 @@
           <a:bodyPr/>
           <a:lstStyle/>
           <a:p>
-            <a:endParaRPr lang="en-US"/>
+            <a:endParaRPr lang="en-US" dirty="0"/>
           </a:p>
         </p:txBody>
       </p:sp>
@@ -1770,7 +1770,7 @@
               <a:rPr lang="en-US" smtClean="0"/>
               <a:t>‹#›</a:t>
             </a:fld>
-            <a:endParaRPr lang="en-US"/>
+            <a:endParaRPr lang="en-US" dirty="0"/>
           </a:p>
         </p:txBody>
       </p:sp>
@@ -1823,7 +1823,7 @@
               <a:rPr lang="en-US" smtClean="0"/>
               <a:t>8/29/22</a:t>
             </a:fld>
-            <a:endParaRPr lang="en-US"/>
+            <a:endParaRPr lang="en-US" dirty="0"/>
           </a:p>
         </p:txBody>
       </p:sp>
@@ -1842,7 +1842,7 @@
           <a:bodyPr/>
           <a:lstStyle/>
           <a:p>
-            <a:endParaRPr lang="en-US"/>
+            <a:endParaRPr lang="en-US" dirty="0"/>
           </a:p>
         </p:txBody>
       </p:sp>
@@ -1865,7 +1865,7 @@
               <a:rPr lang="en-US" smtClean="0"/>
               <a:t>‹#›</a:t>
             </a:fld>
-            <a:endParaRPr lang="en-US"/>
+            <a:endParaRPr lang="en-US" dirty="0"/>
           </a:p>
         </p:txBody>
       </p:sp>
@@ -2100,7 +2100,7 @@
               <a:rPr lang="en-US" smtClean="0"/>
               <a:t>8/29/22</a:t>
             </a:fld>
-            <a:endParaRPr lang="en-US"/>
+            <a:endParaRPr lang="en-US" dirty="0"/>
           </a:p>
         </p:txBody>
       </p:sp>
@@ -2119,7 +2119,7 @@
           <a:bodyPr/>
           <a:lstStyle/>
           <a:p>
-            <a:endParaRPr lang="en-US"/>
+            <a:endParaRPr lang="en-US" dirty="0"/>
           </a:p>
         </p:txBody>
       </p:sp>
@@ -2142,7 +2142,7 @@
               <a:rPr lang="en-US" smtClean="0"/>
               <a:t>‹#›</a:t>
             </a:fld>
-            <a:endParaRPr lang="en-US"/>
+            <a:endParaRPr lang="en-US" dirty="0"/>
           </a:p>
         </p:txBody>
       </p:sp>
@@ -2266,10 +2266,9 @@
           </a:lstStyle>
           <a:p>
             <a:r>
-              <a:rPr lang="en-US"/>
+              <a:rPr lang="en-US" dirty="0"/>
               <a:t>Click icon to add picture</a:t>
             </a:r>
-            <a:endParaRPr lang="en-US" dirty="0"/>
           </a:p>
         </p:txBody>
       </p:sp>
@@ -2357,7 +2356,7 @@
               <a:rPr lang="en-US" smtClean="0"/>
               <a:t>8/29/22</a:t>
             </a:fld>
-            <a:endParaRPr lang="en-US"/>
+            <a:endParaRPr lang="en-US" dirty="0"/>
           </a:p>
         </p:txBody>
       </p:sp>
@@ -2376,7 +2375,7 @@
           <a:bodyPr/>
           <a:lstStyle/>
           <a:p>
-            <a:endParaRPr lang="en-US"/>
+            <a:endParaRPr lang="en-US" dirty="0"/>
           </a:p>
         </p:txBody>
       </p:sp>
@@ -2399,7 +2398,7 @@
               <a:rPr lang="en-US" smtClean="0"/>
               <a:t>‹#›</a:t>
             </a:fld>
-            <a:endParaRPr lang="en-US"/>
+            <a:endParaRPr lang="en-US" dirty="0"/>
           </a:p>
         </p:txBody>
       </p:sp>
@@ -2570,7 +2569,7 @@
               <a:rPr lang="en-US" smtClean="0"/>
               <a:t>8/29/22</a:t>
             </a:fld>
-            <a:endParaRPr lang="en-US"/>
+            <a:endParaRPr lang="en-US" dirty="0"/>
           </a:p>
         </p:txBody>
       </p:sp>
@@ -2607,7 +2606,7 @@
             </a:lvl1pPr>
           </a:lstStyle>
           <a:p>
-            <a:endParaRPr lang="en-US"/>
+            <a:endParaRPr lang="en-US" dirty="0"/>
           </a:p>
         </p:txBody>
       </p:sp>
@@ -2648,7 +2647,7 @@
               <a:rPr lang="en-US" smtClean="0"/>
               <a:t>‹#›</a:t>
             </a:fld>
-            <a:endParaRPr lang="en-US"/>
+            <a:endParaRPr lang="en-US" dirty="0"/>
           </a:p>
         </p:txBody>
       </p:sp>
@@ -2992,6 +2991,11 @@
             <a:chOff x="3637615" y="1676"/>
             <a:chExt cx="4916768" cy="1352401"/>
           </a:xfrm>
+          <a:solidFill>
+            <a:srgbClr val="82AFD9">
+              <a:alpha val="50000"/>
+            </a:srgbClr>
+          </a:solidFill>
         </p:grpSpPr>
         <p:sp>
           <p:nvSpPr>
@@ -3013,14 +3017,12 @@
             <a:prstGeom prst="roundRect">
               <a:avLst/>
             </a:prstGeom>
-            <a:solidFill>
-              <a:schemeClr val="accent2">
-                <a:hueOff val="0"/>
-                <a:satOff val="0"/>
-                <a:lumOff val="0"/>
-                <a:alpha val="50000"/>
-              </a:schemeClr>
-            </a:solidFill>
+            <a:grpFill/>
+            <a:ln>
+              <a:solidFill>
+                <a:schemeClr val="tx1"/>
+              </a:solidFill>
+            </a:ln>
           </p:spPr>
           <p:style>
             <a:lnRef idx="3">
@@ -3067,6 +3069,7 @@
             <a:prstGeom prst="rect">
               <a:avLst/>
             </a:prstGeom>
+            <a:noFill/>
           </p:spPr>
           <p:style>
             <a:lnRef idx="0">
@@ -3151,6 +3154,11 @@
             <a:chOff x="0" y="2284987"/>
             <a:chExt cx="4916768" cy="1352401"/>
           </a:xfrm>
+          <a:solidFill>
+            <a:srgbClr val="EDD268">
+              <a:alpha val="50000"/>
+            </a:srgbClr>
+          </a:solidFill>
         </p:grpSpPr>
         <p:sp>
           <p:nvSpPr>
@@ -3172,14 +3180,12 @@
             <a:prstGeom prst="roundRect">
               <a:avLst/>
             </a:prstGeom>
-            <a:solidFill>
-              <a:schemeClr val="accent2">
-                <a:hueOff val="-1455363"/>
-                <a:satOff val="-83928"/>
-                <a:lumOff val="8628"/>
-                <a:alpha val="50000"/>
-              </a:schemeClr>
-            </a:solidFill>
+            <a:grpFill/>
+            <a:ln>
+              <a:solidFill>
+                <a:schemeClr val="tx1"/>
+              </a:solidFill>
+            </a:ln>
           </p:spPr>
           <p:style>
             <a:lnRef idx="3">
@@ -3226,6 +3232,7 @@
             <a:prstGeom prst="rect">
               <a:avLst/>
             </a:prstGeom>
+            <a:noFill/>
           </p:spPr>
           <p:style>
             <a:lnRef idx="0">
@@ -3310,6 +3317,11 @@
             <a:chOff x="7275231" y="2283806"/>
             <a:chExt cx="4916768" cy="1352401"/>
           </a:xfrm>
+          <a:solidFill>
+            <a:srgbClr val="D37AA5">
+              <a:alpha val="50000"/>
+            </a:srgbClr>
+          </a:solidFill>
         </p:grpSpPr>
         <p:sp>
           <p:nvSpPr>
@@ -3331,14 +3343,12 @@
             <a:prstGeom prst="roundRect">
               <a:avLst/>
             </a:prstGeom>
-            <a:solidFill>
-              <a:schemeClr val="accent2">
-                <a:hueOff val="-485121"/>
-                <a:satOff val="-27976"/>
-                <a:lumOff val="2876"/>
-                <a:alpha val="50000"/>
-              </a:schemeClr>
-            </a:solidFill>
+            <a:grpFill/>
+            <a:ln>
+              <a:solidFill>
+                <a:schemeClr val="tx1"/>
+              </a:solidFill>
+            </a:ln>
           </p:spPr>
           <p:style>
             <a:lnRef idx="3">
@@ -3385,6 +3395,7 @@
             <a:prstGeom prst="rect">
               <a:avLst/>
             </a:prstGeom>
+            <a:noFill/>
           </p:spPr>
           <p:style>
             <a:lnRef idx="0">
@@ -3444,23 +3455,7 @@
                     <a:schemeClr val="tx1"/>
                   </a:solidFill>
                 </a:rPr>
-                <a:t>Ex: Parameterization of </a:t>
-              </a:r>
-              <a:r>
-                <a:rPr lang="en-US" sz="1600" i="1" dirty="0" err="1">
-                  <a:solidFill>
-                    <a:schemeClr val="tx1"/>
-                  </a:solidFill>
-                </a:rPr>
-                <a:t>submesoscale</a:t>
-              </a:r>
-              <a:r>
-                <a:rPr lang="en-US" sz="1600" i="1" dirty="0">
-                  <a:solidFill>
-                    <a:schemeClr val="tx1"/>
-                  </a:solidFill>
-                </a:rPr>
-                <a:t> symmetric instability in dense flows along topography.</a:t>
+                <a:t>Ex: Parameterization of submesoscale symmetric instability in dense flows along topography.</a:t>
               </a:r>
             </a:p>
           </p:txBody>
@@ -3485,6 +3480,11 @@
             <a:chOff x="3637615" y="4468945"/>
             <a:chExt cx="4916768" cy="1352401"/>
           </a:xfrm>
+          <a:solidFill>
+            <a:srgbClr val="EDD268">
+              <a:alpha val="49804"/>
+            </a:srgbClr>
+          </a:solidFill>
         </p:grpSpPr>
         <p:sp>
           <p:nvSpPr>
@@ -3506,14 +3506,12 @@
             <a:prstGeom prst="roundRect">
               <a:avLst/>
             </a:prstGeom>
-            <a:solidFill>
-              <a:schemeClr val="accent2">
-                <a:hueOff val="-970242"/>
-                <a:satOff val="-55952"/>
-                <a:lumOff val="5752"/>
-                <a:alpha val="50000"/>
-              </a:schemeClr>
-            </a:solidFill>
+            <a:grpFill/>
+            <a:ln>
+              <a:solidFill>
+                <a:schemeClr val="tx1"/>
+              </a:solidFill>
+            </a:ln>
           </p:spPr>
           <p:style>
             <a:lnRef idx="3">
@@ -3560,6 +3558,7 @@
             <a:prstGeom prst="rect">
               <a:avLst/>
             </a:prstGeom>
+            <a:noFill/>
           </p:spPr>
           <p:style>
             <a:lnRef idx="0">
@@ -3634,7 +3633,9 @@
               </a:ext>
             </a:extLst>
           </p:cNvPr>
-          <p:cNvSpPr/>
+          <p:cNvSpPr>
+            <a:spLocks noChangeAspect="1"/>
+          </p:cNvSpPr>
           <p:nvPr/>
         </p:nvSpPr>
         <p:spPr>
@@ -3658,7 +3659,10 @@
             </a:pathLst>
           </a:custGeom>
           <a:noFill/>
-          <a:ln w="76200">
+          <a:ln w="127000">
+            <a:solidFill>
+              <a:srgbClr val="ADC4D7"/>
+            </a:solidFill>
             <a:tailEnd type="arrow"/>
           </a:ln>
         </p:spPr>
@@ -3719,8 +3723,13 @@
               </a:path>
             </a:pathLst>
           </a:custGeom>
-          <a:noFill/>
-          <a:ln w="76200">
+          <a:solidFill>
+            <a:srgbClr val="EDD268"/>
+          </a:solidFill>
+          <a:ln w="127000">
+            <a:solidFill>
+              <a:srgbClr val="EDD268"/>
+            </a:solidFill>
             <a:tailEnd type="arrow"/>
           </a:ln>
         </p:spPr>
@@ -3764,7 +3773,7 @@
         <p:spPr>
           <a:xfrm>
             <a:off x="5981325" y="1153259"/>
-            <a:ext cx="4467268" cy="4467268"/>
+            <a:ext cx="4467268" cy="4471416"/>
           </a:xfrm>
           <a:custGeom>
             <a:avLst/>
@@ -3782,7 +3791,10 @@
             </a:pathLst>
           </a:custGeom>
           <a:noFill/>
-          <a:ln w="76200">
+          <a:ln w="127000">
+            <a:solidFill>
+              <a:srgbClr val="D37AA5"/>
+            </a:solidFill>
             <a:tailEnd type="arrow"/>
           </a:ln>
         </p:spPr>
@@ -3844,7 +3856,10 @@
             </a:pathLst>
           </a:custGeom>
           <a:noFill/>
-          <a:ln w="76200">
+          <a:ln w="127000">
+            <a:solidFill>
+              <a:srgbClr val="EDD268"/>
+            </a:solidFill>
             <a:tailEnd type="arrow"/>
           </a:ln>
         </p:spPr>
@@ -3959,7 +3974,9 @@
                   </a:avLst>
                 </a:prstGeom>
                 <a:solidFill>
-                  <a:srgbClr val="E9BDAD"/>
+                  <a:srgbClr val="D37AA5">
+                    <a:alpha val="50000"/>
+                  </a:srgbClr>
                 </a:solidFill>
                 <a:ln>
                   <a:solidFill>
@@ -4103,12 +4120,9 @@
                   </a:avLst>
                 </a:prstGeom>
                 <a:solidFill>
-                  <a:schemeClr val="accent2">
-                    <a:hueOff val="0"/>
-                    <a:satOff val="0"/>
-                    <a:lumOff val="0"/>
+                  <a:srgbClr val="82AFD9">
                     <a:alpha val="50000"/>
-                  </a:schemeClr>
+                  </a:srgbClr>
                 </a:solidFill>
                 <a:ln>
                   <a:solidFill>
@@ -4254,12 +4268,9 @@
                   </a:avLst>
                 </a:prstGeom>
                 <a:solidFill>
-                  <a:schemeClr val="accent2">
-                    <a:hueOff val="-1455363"/>
-                    <a:satOff val="-83928"/>
-                    <a:lumOff val="8628"/>
+                  <a:srgbClr val="EDD268">
                     <a:alpha val="50000"/>
-                  </a:schemeClr>
+                  </a:srgbClr>
                 </a:solidFill>
                 <a:ln>
                   <a:solidFill>
